--- a/Présentation+Soufiane.pptx
+++ b/Présentation+Soufiane.pptx
@@ -7516,7 +7516,37 @@
                 <a:cs typeface="Montserrat"/>
                 <a:sym typeface="Montserrat"/>
               </a:rPr>
-              <a:t> afin d’être en mesure de proposer une solution pérenne et au niveau des dernières évolutions en termes de sécurité.</a:t>
+              <a:t> afin d’être </a:t>
+            </a:r>
+            <a:r>
+              <a:rPr lang="fr-FR" sz="1600" dirty="0">
+                <a:solidFill>
+                  <a:srgbClr val="0D0D0D"/>
+                </a:solidFill>
+                <a:highlight>
+                  <a:srgbClr val="FFFFFF"/>
+                </a:highlight>
+                <a:latin typeface="Montserrat"/>
+                <a:ea typeface="Montserrat"/>
+                <a:cs typeface="Montserrat"/>
+                <a:sym typeface="Montserrat"/>
+              </a:rPr>
+              <a:t>en</a:t>
+            </a:r>
+            <a:r>
+              <a:rPr lang="fr-FR" sz="1800" dirty="0">
+                <a:solidFill>
+                  <a:srgbClr val="0D0D0D"/>
+                </a:solidFill>
+                <a:highlight>
+                  <a:srgbClr val="FFFFFF"/>
+                </a:highlight>
+                <a:latin typeface="Montserrat"/>
+                <a:ea typeface="Montserrat"/>
+                <a:cs typeface="Montserrat"/>
+                <a:sym typeface="Montserrat"/>
+              </a:rPr>
+              <a:t> mesure de proposer une solution pérenne et au niveau des dernières évolutions en termes de sécurité.</a:t>
             </a:r>
           </a:p>
           <a:p>
@@ -10460,7 +10490,7 @@
               </a:spcAft>
               <a:buNone/>
             </a:pPr>
-            <a:endParaRPr>
+            <a:endParaRPr dirty="0">
               <a:latin typeface="Montserrat"/>
               <a:ea typeface="Montserrat"/>
               <a:cs typeface="Montserrat"/>
@@ -10477,7 +10507,7 @@
               </a:spcAft>
               <a:buNone/>
             </a:pPr>
-            <a:endParaRPr>
+            <a:endParaRPr dirty="0">
               <a:latin typeface="Montserrat"/>
               <a:ea typeface="Montserrat"/>
               <a:cs typeface="Montserrat"/>
@@ -10494,7 +10524,7 @@
               </a:spcAft>
               <a:buNone/>
             </a:pPr>
-            <a:endParaRPr>
+            <a:endParaRPr dirty="0">
               <a:latin typeface="Montserrat"/>
               <a:ea typeface="Montserrat"/>
               <a:cs typeface="Montserrat"/>
@@ -10682,15 +10712,6 @@
               <a:buNone/>
             </a:pPr>
             <a:r>
-              <a:rPr lang="fr" dirty="0">
-                <a:latin typeface="Montserrat"/>
-                <a:ea typeface="Montserrat"/>
-                <a:cs typeface="Montserrat"/>
-                <a:sym typeface="Montserrat"/>
-              </a:rPr>
-              <a:t>Ne pas oublier </a:t>
-            </a:r>
-            <a:r>
               <a:rPr lang="fr" sz="1500" dirty="0">
                 <a:solidFill>
                   <a:srgbClr val="0D0D0D"/>
@@ -10703,7 +10724,7 @@
                 <a:cs typeface="Montserrat"/>
                 <a:sym typeface="Montserrat"/>
               </a:rPr>
-              <a:t>la mise en public du lien du tableau</a:t>
+              <a:t>Lien public du tableau:</a:t>
             </a:r>
             <a:endParaRPr dirty="0">
               <a:latin typeface="Montserrat"/>
@@ -10788,6 +10809,44 @@
           </a:ln>
         </p:spPr>
       </p:pic>
+      <p:sp>
+        <p:nvSpPr>
+          <p:cNvPr id="2" name="ZoneTexte 1">
+            <a:extLst>
+              <a:ext uri="{FF2B5EF4-FFF2-40B4-BE49-F238E27FC236}">
+                <a16:creationId xmlns:a16="http://schemas.microsoft.com/office/drawing/2014/main" id="{28E43AC2-A9DE-CBE9-04F9-B6A96A41A4B1}"/>
+              </a:ext>
+            </a:extLst>
+          </p:cNvPr>
+          <p:cNvSpPr txBox="1"/>
+          <p:nvPr/>
+        </p:nvSpPr>
+        <p:spPr>
+          <a:xfrm>
+            <a:off x="311700" y="2435393"/>
+            <a:ext cx="8520600" cy="523220"/>
+          </a:xfrm>
+          <a:prstGeom prst="rect">
+            <a:avLst/>
+          </a:prstGeom>
+          <a:noFill/>
+        </p:spPr>
+        <p:txBody>
+          <a:bodyPr wrap="square" rtlCol="0">
+            <a:spAutoFit/>
+          </a:bodyPr>
+          <a:lstStyle/>
+          <a:p>
+            <a:r>
+              <a:rPr lang="fr-FR" dirty="0">
+                <a:hlinkClick r:id="rId4"/>
+              </a:rPr>
+              <a:t>https://fifth-couch-888.notion.site/ae90e83594fc40cc9a50376884517cc9?v=f944c792d0dc4e5b9e8642a8993bccfe&amp;pvs=4</a:t>
+            </a:r>
+            <a:endParaRPr lang="fr-FR" dirty="0"/>
+          </a:p>
+        </p:txBody>
+      </p:sp>
     </p:spTree>
   </p:cSld>
   <p:clrMapOvr>

--- a/Présentation+Soufiane.pptx
+++ b/Présentation+Soufiane.pptx
@@ -5,32 +5,33 @@
     <p:sldMasterId id="2147483659" r:id="rId1"/>
   </p:sldMasterIdLst>
   <p:notesMasterIdLst>
-    <p:notesMasterId r:id="rId15"/>
+    <p:notesMasterId r:id="rId16"/>
   </p:notesMasterIdLst>
   <p:sldIdLst>
     <p:sldId id="256" r:id="rId2"/>
     <p:sldId id="257" r:id="rId3"/>
     <p:sldId id="258" r:id="rId4"/>
     <p:sldId id="259" r:id="rId5"/>
-    <p:sldId id="260" r:id="rId6"/>
-    <p:sldId id="266" r:id="rId7"/>
-    <p:sldId id="261" r:id="rId8"/>
-    <p:sldId id="262" r:id="rId9"/>
-    <p:sldId id="267" r:id="rId10"/>
-    <p:sldId id="263" r:id="rId11"/>
-    <p:sldId id="268" r:id="rId12"/>
-    <p:sldId id="264" r:id="rId13"/>
-    <p:sldId id="265" r:id="rId14"/>
+    <p:sldId id="269" r:id="rId6"/>
+    <p:sldId id="270" r:id="rId7"/>
+    <p:sldId id="266" r:id="rId8"/>
+    <p:sldId id="261" r:id="rId9"/>
+    <p:sldId id="262" r:id="rId10"/>
+    <p:sldId id="267" r:id="rId11"/>
+    <p:sldId id="263" r:id="rId12"/>
+    <p:sldId id="268" r:id="rId13"/>
+    <p:sldId id="264" r:id="rId14"/>
+    <p:sldId id="265" r:id="rId15"/>
   </p:sldIdLst>
   <p:sldSz cx="9144000" cy="5143500" type="screen16x9"/>
   <p:notesSz cx="6858000" cy="9144000"/>
   <p:embeddedFontLst>
     <p:embeddedFont>
       <p:font typeface="Montserrat" panose="00000500000000000000" pitchFamily="2" charset="0"/>
-      <p:regular r:id="rId16"/>
-      <p:bold r:id="rId17"/>
-      <p:italic r:id="rId18"/>
-      <p:boldItalic r:id="rId19"/>
+      <p:regular r:id="rId17"/>
+      <p:bold r:id="rId18"/>
+      <p:italic r:id="rId19"/>
+      <p:boldItalic r:id="rId20"/>
     </p:embeddedFont>
   </p:embeddedFontLst>
   <p:defaultTextStyle>
@@ -831,6 +832,110 @@
   <p:cSld>
     <p:spTree>
       <p:nvGrpSpPr>
+        <p:cNvPr id="1" name="Shape 117"/>
+        <p:cNvGrpSpPr/>
+        <p:nvPr/>
+      </p:nvGrpSpPr>
+      <p:grpSpPr>
+        <a:xfrm>
+          <a:off x="0" y="0"/>
+          <a:ext cx="0" cy="0"/>
+          <a:chOff x="0" y="0"/>
+          <a:chExt cx="0" cy="0"/>
+        </a:xfrm>
+      </p:grpSpPr>
+      <p:sp>
+        <p:nvSpPr>
+          <p:cNvPr id="118" name="Google Shape;118;g2c2bf8da8be_0_12:notes"/>
+          <p:cNvSpPr>
+            <a:spLocks noGrp="1" noRot="1" noChangeAspect="1"/>
+          </p:cNvSpPr>
+          <p:nvPr>
+            <p:ph type="sldImg" idx="2"/>
+          </p:nvPr>
+        </p:nvSpPr>
+        <p:spPr>
+          <a:xfrm>
+            <a:off x="381000" y="685800"/>
+            <a:ext cx="6096000" cy="3429000"/>
+          </a:xfrm>
+          <a:custGeom>
+            <a:avLst/>
+            <a:gdLst/>
+            <a:ahLst/>
+            <a:cxnLst/>
+            <a:rect l="l" t="t" r="r" b="b"/>
+            <a:pathLst>
+              <a:path w="120000" h="120000" extrusionOk="0">
+                <a:moveTo>
+                  <a:pt x="0" y="0"/>
+                </a:moveTo>
+                <a:lnTo>
+                  <a:pt x="120000" y="0"/>
+                </a:lnTo>
+                <a:lnTo>
+                  <a:pt x="120000" y="120000"/>
+                </a:lnTo>
+                <a:lnTo>
+                  <a:pt x="0" y="120000"/>
+                </a:lnTo>
+                <a:close/>
+              </a:path>
+            </a:pathLst>
+          </a:custGeom>
+        </p:spPr>
+      </p:sp>
+      <p:sp>
+        <p:nvSpPr>
+          <p:cNvPr id="119" name="Google Shape;119;g2c2bf8da8be_0_12:notes"/>
+          <p:cNvSpPr txBox="1">
+            <a:spLocks noGrp="1"/>
+          </p:cNvSpPr>
+          <p:nvPr>
+            <p:ph type="body" idx="1"/>
+          </p:nvPr>
+        </p:nvSpPr>
+        <p:spPr>
+          <a:xfrm>
+            <a:off x="685800" y="4343400"/>
+            <a:ext cx="5486400" cy="4114800"/>
+          </a:xfrm>
+          <a:prstGeom prst="rect">
+            <a:avLst/>
+          </a:prstGeom>
+        </p:spPr>
+        <p:txBody>
+          <a:bodyPr spcFirstLastPara="1" wrap="square" lIns="91425" tIns="91425" rIns="91425" bIns="91425" anchor="t" anchorCtr="0">
+            <a:noAutofit/>
+          </a:bodyPr>
+          <a:lstStyle/>
+          <a:p>
+            <a:pPr marL="0" lvl="0" indent="0" algn="l" rtl="0">
+              <a:spcBef>
+                <a:spcPts val="0"/>
+              </a:spcBef>
+              <a:spcAft>
+                <a:spcPts val="0"/>
+              </a:spcAft>
+              <a:buNone/>
+            </a:pPr>
+            <a:endParaRPr/>
+          </a:p>
+        </p:txBody>
+      </p:sp>
+    </p:spTree>
+  </p:cSld>
+  <p:clrMapOvr>
+    <a:masterClrMapping/>
+  </p:clrMapOvr>
+</p:notes>
+</file>
+
+<file path=ppt/notesSlides/notesSlide11.xml><?xml version="1.0" encoding="utf-8"?>
+<p:notes xmlns:a="http://schemas.openxmlformats.org/drawingml/2006/main" xmlns:r="http://schemas.openxmlformats.org/officeDocument/2006/relationships" xmlns:p="http://schemas.openxmlformats.org/presentationml/2006/main" showMasterSp="0" showMasterPhAnim="0">
+  <p:cSld>
+    <p:spTree>
+      <p:nvGrpSpPr>
         <p:cNvPr id="1" name="Shape 127"/>
         <p:cNvGrpSpPr/>
         <p:nvPr/>
@@ -959,7 +1064,7 @@
         </p:nvSpPr>
         <p:spPr>
           <a:xfrm>
-            <a:off x="381300" y="685800"/>
+            <a:off x="381000" y="685800"/>
             <a:ext cx="6096000" cy="3429000"/>
           </a:xfrm>
           <a:custGeom>
@@ -1339,6 +1444,11 @@
         </p:txBody>
       </p:sp>
     </p:spTree>
+    <p:extLst>
+      <p:ext uri="{BB962C8B-B14F-4D97-AF65-F5344CB8AC3E}">
+        <p14:creationId xmlns:p14="http://schemas.microsoft.com/office/powerpoint/2010/main" val="3816791474"/>
+      </p:ext>
+    </p:extLst>
   </p:cSld>
   <p:clrMapOvr>
     <a:masterClrMapping/>
@@ -1347,6 +1457,115 @@
 </file>
 
 <file path=ppt/notesSlides/notesSlide6.xml><?xml version="1.0" encoding="utf-8"?>
+<p:notes xmlns:a="http://schemas.openxmlformats.org/drawingml/2006/main" xmlns:r="http://schemas.openxmlformats.org/officeDocument/2006/relationships" xmlns:p="http://schemas.openxmlformats.org/presentationml/2006/main" showMasterSp="0" showMasterPhAnim="0">
+  <p:cSld>
+    <p:spTree>
+      <p:nvGrpSpPr>
+        <p:cNvPr id="1" name="Shape 80"/>
+        <p:cNvGrpSpPr/>
+        <p:nvPr/>
+      </p:nvGrpSpPr>
+      <p:grpSpPr>
+        <a:xfrm>
+          <a:off x="0" y="0"/>
+          <a:ext cx="0" cy="0"/>
+          <a:chOff x="0" y="0"/>
+          <a:chExt cx="0" cy="0"/>
+        </a:xfrm>
+      </p:grpSpPr>
+      <p:sp>
+        <p:nvSpPr>
+          <p:cNvPr id="81" name="Google Shape;81;g20c4033f8d1_0_22:notes"/>
+          <p:cNvSpPr>
+            <a:spLocks noGrp="1" noRot="1" noChangeAspect="1"/>
+          </p:cNvSpPr>
+          <p:nvPr>
+            <p:ph type="sldImg" idx="2"/>
+          </p:nvPr>
+        </p:nvSpPr>
+        <p:spPr>
+          <a:xfrm>
+            <a:off x="381000" y="685800"/>
+            <a:ext cx="6096000" cy="3429000"/>
+          </a:xfrm>
+          <a:custGeom>
+            <a:avLst/>
+            <a:gdLst/>
+            <a:ahLst/>
+            <a:cxnLst/>
+            <a:rect l="l" t="t" r="r" b="b"/>
+            <a:pathLst>
+              <a:path w="120000" h="120000" extrusionOk="0">
+                <a:moveTo>
+                  <a:pt x="0" y="0"/>
+                </a:moveTo>
+                <a:lnTo>
+                  <a:pt x="120000" y="0"/>
+                </a:lnTo>
+                <a:lnTo>
+                  <a:pt x="120000" y="120000"/>
+                </a:lnTo>
+                <a:lnTo>
+                  <a:pt x="0" y="120000"/>
+                </a:lnTo>
+                <a:close/>
+              </a:path>
+            </a:pathLst>
+          </a:custGeom>
+        </p:spPr>
+      </p:sp>
+      <p:sp>
+        <p:nvSpPr>
+          <p:cNvPr id="82" name="Google Shape;82;g20c4033f8d1_0_22:notes"/>
+          <p:cNvSpPr txBox="1">
+            <a:spLocks noGrp="1"/>
+          </p:cNvSpPr>
+          <p:nvPr>
+            <p:ph type="body" idx="1"/>
+          </p:nvPr>
+        </p:nvSpPr>
+        <p:spPr>
+          <a:xfrm>
+            <a:off x="685800" y="4343400"/>
+            <a:ext cx="5486400" cy="4114800"/>
+          </a:xfrm>
+          <a:prstGeom prst="rect">
+            <a:avLst/>
+          </a:prstGeom>
+        </p:spPr>
+        <p:txBody>
+          <a:bodyPr spcFirstLastPara="1" wrap="square" lIns="91425" tIns="91425" rIns="91425" bIns="91425" anchor="t" anchorCtr="0">
+            <a:noAutofit/>
+          </a:bodyPr>
+          <a:lstStyle/>
+          <a:p>
+            <a:pPr marL="0" lvl="0" indent="0" algn="l" rtl="0">
+              <a:spcBef>
+                <a:spcPts val="0"/>
+              </a:spcBef>
+              <a:spcAft>
+                <a:spcPts val="0"/>
+              </a:spcAft>
+              <a:buNone/>
+            </a:pPr>
+            <a:endParaRPr/>
+          </a:p>
+        </p:txBody>
+      </p:sp>
+    </p:spTree>
+    <p:extLst>
+      <p:ext uri="{BB962C8B-B14F-4D97-AF65-F5344CB8AC3E}">
+        <p14:creationId xmlns:p14="http://schemas.microsoft.com/office/powerpoint/2010/main" val="368106644"/>
+      </p:ext>
+    </p:extLst>
+  </p:cSld>
+  <p:clrMapOvr>
+    <a:masterClrMapping/>
+  </p:clrMapOvr>
+</p:notes>
+</file>
+
+<file path=ppt/notesSlides/notesSlide7.xml><?xml version="1.0" encoding="utf-8"?>
 <p:notes xmlns:a="http://schemas.openxmlformats.org/drawingml/2006/main" xmlns:r="http://schemas.openxmlformats.org/officeDocument/2006/relationships" xmlns:p="http://schemas.openxmlformats.org/presentationml/2006/main" showMasterSp="0" showMasterPhAnim="0">
   <p:cSld>
     <p:spTree>
@@ -1450,7 +1669,7 @@
 </p:notes>
 </file>
 
-<file path=ppt/notesSlides/notesSlide7.xml><?xml version="1.0" encoding="utf-8"?>
+<file path=ppt/notesSlides/notesSlide8.xml><?xml version="1.0" encoding="utf-8"?>
 <p:notes xmlns:a="http://schemas.openxmlformats.org/drawingml/2006/main" xmlns:r="http://schemas.openxmlformats.org/officeDocument/2006/relationships" xmlns:p="http://schemas.openxmlformats.org/presentationml/2006/main" showMasterSp="0" showMasterPhAnim="0">
   <p:cSld>
     <p:spTree>
@@ -1554,7 +1773,7 @@
 </p:notes>
 </file>
 
-<file path=ppt/notesSlides/notesSlide8.xml><?xml version="1.0" encoding="utf-8"?>
+<file path=ppt/notesSlides/notesSlide9.xml><?xml version="1.0" encoding="utf-8"?>
 <p:notes xmlns:a="http://schemas.openxmlformats.org/drawingml/2006/main" xmlns:r="http://schemas.openxmlformats.org/officeDocument/2006/relationships" xmlns:p="http://schemas.openxmlformats.org/presentationml/2006/main" showMasterSp="0" showMasterPhAnim="0">
   <p:cSld>
     <p:spTree>
@@ -1615,110 +1834,6 @@
       <p:sp>
         <p:nvSpPr>
           <p:cNvPr id="109" name="Google Shape;109;g218b606cc07_1_8:notes"/>
-          <p:cNvSpPr txBox="1">
-            <a:spLocks noGrp="1"/>
-          </p:cNvSpPr>
-          <p:nvPr>
-            <p:ph type="body" idx="1"/>
-          </p:nvPr>
-        </p:nvSpPr>
-        <p:spPr>
-          <a:xfrm>
-            <a:off x="685800" y="4343400"/>
-            <a:ext cx="5486400" cy="4114800"/>
-          </a:xfrm>
-          <a:prstGeom prst="rect">
-            <a:avLst/>
-          </a:prstGeom>
-        </p:spPr>
-        <p:txBody>
-          <a:bodyPr spcFirstLastPara="1" wrap="square" lIns="91425" tIns="91425" rIns="91425" bIns="91425" anchor="t" anchorCtr="0">
-            <a:noAutofit/>
-          </a:bodyPr>
-          <a:lstStyle/>
-          <a:p>
-            <a:pPr marL="0" lvl="0" indent="0" algn="l" rtl="0">
-              <a:spcBef>
-                <a:spcPts val="0"/>
-              </a:spcBef>
-              <a:spcAft>
-                <a:spcPts val="0"/>
-              </a:spcAft>
-              <a:buNone/>
-            </a:pPr>
-            <a:endParaRPr/>
-          </a:p>
-        </p:txBody>
-      </p:sp>
-    </p:spTree>
-  </p:cSld>
-  <p:clrMapOvr>
-    <a:masterClrMapping/>
-  </p:clrMapOvr>
-</p:notes>
-</file>
-
-<file path=ppt/notesSlides/notesSlide9.xml><?xml version="1.0" encoding="utf-8"?>
-<p:notes xmlns:a="http://schemas.openxmlformats.org/drawingml/2006/main" xmlns:r="http://schemas.openxmlformats.org/officeDocument/2006/relationships" xmlns:p="http://schemas.openxmlformats.org/presentationml/2006/main" showMasterSp="0" showMasterPhAnim="0">
-  <p:cSld>
-    <p:spTree>
-      <p:nvGrpSpPr>
-        <p:cNvPr id="1" name="Shape 117"/>
-        <p:cNvGrpSpPr/>
-        <p:nvPr/>
-      </p:nvGrpSpPr>
-      <p:grpSpPr>
-        <a:xfrm>
-          <a:off x="0" y="0"/>
-          <a:ext cx="0" cy="0"/>
-          <a:chOff x="0" y="0"/>
-          <a:chExt cx="0" cy="0"/>
-        </a:xfrm>
-      </p:grpSpPr>
-      <p:sp>
-        <p:nvSpPr>
-          <p:cNvPr id="118" name="Google Shape;118;g2c2bf8da8be_0_12:notes"/>
-          <p:cNvSpPr>
-            <a:spLocks noGrp="1" noRot="1" noChangeAspect="1"/>
-          </p:cNvSpPr>
-          <p:nvPr>
-            <p:ph type="sldImg" idx="2"/>
-          </p:nvPr>
-        </p:nvSpPr>
-        <p:spPr>
-          <a:xfrm>
-            <a:off x="381000" y="685800"/>
-            <a:ext cx="6096000" cy="3429000"/>
-          </a:xfrm>
-          <a:custGeom>
-            <a:avLst/>
-            <a:gdLst/>
-            <a:ahLst/>
-            <a:cxnLst/>
-            <a:rect l="l" t="t" r="r" b="b"/>
-            <a:pathLst>
-              <a:path w="120000" h="120000" extrusionOk="0">
-                <a:moveTo>
-                  <a:pt x="0" y="0"/>
-                </a:moveTo>
-                <a:lnTo>
-                  <a:pt x="120000" y="0"/>
-                </a:lnTo>
-                <a:lnTo>
-                  <a:pt x="120000" y="120000"/>
-                </a:lnTo>
-                <a:lnTo>
-                  <a:pt x="0" y="120000"/>
-                </a:lnTo>
-                <a:close/>
-              </a:path>
-            </a:pathLst>
-          </a:custGeom>
-        </p:spPr>
-      </p:sp>
-      <p:sp>
-        <p:nvSpPr>
-          <p:cNvPr id="119" name="Google Shape;119;g2c2bf8da8be_0_12:notes"/>
           <p:cNvSpPr txBox="1">
             <a:spLocks noGrp="1"/>
           </p:cNvSpPr>
@@ -6750,6 +6865,224 @@
   <p:cSld>
     <p:spTree>
       <p:nvGrpSpPr>
+        <p:cNvPr id="1" name=""/>
+        <p:cNvGrpSpPr/>
+        <p:nvPr/>
+      </p:nvGrpSpPr>
+      <p:grpSpPr>
+        <a:xfrm>
+          <a:off x="0" y="0"/>
+          <a:ext cx="0" cy="0"/>
+          <a:chOff x="0" y="0"/>
+          <a:chExt cx="0" cy="0"/>
+        </a:xfrm>
+      </p:grpSpPr>
+      <p:sp>
+        <p:nvSpPr>
+          <p:cNvPr id="2" name="Titre 1">
+            <a:extLst>
+              <a:ext uri="{FF2B5EF4-FFF2-40B4-BE49-F238E27FC236}">
+                <a16:creationId xmlns:a16="http://schemas.microsoft.com/office/drawing/2014/main" id="{7EBC29C8-2DE7-0C2D-53B2-EA759C308D29}"/>
+              </a:ext>
+            </a:extLst>
+          </p:cNvPr>
+          <p:cNvSpPr>
+            <a:spLocks noGrp="1"/>
+          </p:cNvSpPr>
+          <p:nvPr>
+            <p:ph type="title"/>
+          </p:nvPr>
+        </p:nvSpPr>
+        <p:spPr>
+          <a:xfrm>
+            <a:off x="472334" y="273112"/>
+            <a:ext cx="8520600" cy="572700"/>
+          </a:xfrm>
+        </p:spPr>
+        <p:txBody>
+          <a:bodyPr>
+            <a:normAutofit fontScale="90000"/>
+          </a:bodyPr>
+          <a:lstStyle/>
+          <a:p>
+            <a:pPr algn="ctr"/>
+            <a:r>
+              <a:rPr lang="fr-FR" dirty="0">
+                <a:latin typeface="Montserrat" panose="00000500000000000000" pitchFamily="2" charset="0"/>
+              </a:rPr>
+              <a:t>Détail d’une spécification technique</a:t>
+            </a:r>
+          </a:p>
+        </p:txBody>
+      </p:sp>
+      <p:sp>
+        <p:nvSpPr>
+          <p:cNvPr id="3" name="Espace réservé du texte 2">
+            <a:extLst>
+              <a:ext uri="{FF2B5EF4-FFF2-40B4-BE49-F238E27FC236}">
+                <a16:creationId xmlns:a16="http://schemas.microsoft.com/office/drawing/2014/main" id="{A47F6B56-E135-4628-A843-0E306111F1A1}"/>
+              </a:ext>
+            </a:extLst>
+          </p:cNvPr>
+          <p:cNvSpPr>
+            <a:spLocks noGrp="1"/>
+          </p:cNvSpPr>
+          <p:nvPr>
+            <p:ph type="body" idx="1"/>
+          </p:nvPr>
+        </p:nvSpPr>
+        <p:spPr/>
+        <p:txBody>
+          <a:bodyPr/>
+          <a:lstStyle/>
+          <a:p>
+            <a:r>
+              <a:rPr lang="fr-FR" dirty="0"/>
+              <a:t>Authentification</a:t>
+            </a:r>
+          </a:p>
+          <a:p>
+            <a:endParaRPr lang="fr-FR" dirty="0"/>
+          </a:p>
+          <a:p>
+            <a:endParaRPr lang="fr-FR" dirty="0"/>
+          </a:p>
+        </p:txBody>
+      </p:sp>
+      <p:sp>
+        <p:nvSpPr>
+          <p:cNvPr id="4" name="Google Shape;105;p19">
+            <a:extLst>
+              <a:ext uri="{FF2B5EF4-FFF2-40B4-BE49-F238E27FC236}">
+                <a16:creationId xmlns:a16="http://schemas.microsoft.com/office/drawing/2014/main" id="{8CD1880D-4341-23E5-6F74-C878C2B037FB}"/>
+              </a:ext>
+            </a:extLst>
+          </p:cNvPr>
+          <p:cNvSpPr/>
+          <p:nvPr/>
+        </p:nvSpPr>
+        <p:spPr>
+          <a:xfrm>
+            <a:off x="-4800" y="0"/>
+            <a:ext cx="9153600" cy="239700"/>
+          </a:xfrm>
+          <a:prstGeom prst="rect">
+            <a:avLst/>
+          </a:prstGeom>
+          <a:solidFill>
+            <a:srgbClr val="FCE5CD"/>
+          </a:solidFill>
+          <a:ln w="9525" cap="flat" cmpd="sng">
+            <a:solidFill>
+              <a:srgbClr val="F7EDDE"/>
+            </a:solidFill>
+            <a:prstDash val="solid"/>
+            <a:round/>
+            <a:headEnd type="none" w="sm" len="sm"/>
+            <a:tailEnd type="none" w="sm" len="sm"/>
+          </a:ln>
+        </p:spPr>
+        <p:txBody>
+          <a:bodyPr spcFirstLastPara="1" wrap="square" lIns="91425" tIns="91425" rIns="91425" bIns="91425" anchor="ctr" anchorCtr="0">
+            <a:noAutofit/>
+          </a:bodyPr>
+          <a:lstStyle/>
+          <a:p>
+            <a:pPr marL="0" lvl="0" indent="0" algn="ctr" rtl="0">
+              <a:spcBef>
+                <a:spcPts val="0"/>
+              </a:spcBef>
+              <a:spcAft>
+                <a:spcPts val="0"/>
+              </a:spcAft>
+              <a:buNone/>
+            </a:pPr>
+            <a:endParaRPr/>
+          </a:p>
+        </p:txBody>
+      </p:sp>
+      <p:pic>
+        <p:nvPicPr>
+          <p:cNvPr id="6" name="Google Shape;106;p19">
+            <a:extLst>
+              <a:ext uri="{FF2B5EF4-FFF2-40B4-BE49-F238E27FC236}">
+                <a16:creationId xmlns:a16="http://schemas.microsoft.com/office/drawing/2014/main" id="{0E94BA5A-D16E-E8A8-7296-FEE212932E1C}"/>
+              </a:ext>
+            </a:extLst>
+          </p:cNvPr>
+          <p:cNvPicPr preferRelativeResize="0"/>
+          <p:nvPr/>
+        </p:nvPicPr>
+        <p:blipFill>
+          <a:blip r:embed="rId2">
+            <a:alphaModFix/>
+          </a:blip>
+          <a:stretch>
+            <a:fillRect/>
+          </a:stretch>
+        </p:blipFill>
+        <p:spPr>
+          <a:xfrm>
+            <a:off x="8469575" y="-4"/>
+            <a:ext cx="674425" cy="340550"/>
+          </a:xfrm>
+          <a:prstGeom prst="rect">
+            <a:avLst/>
+          </a:prstGeom>
+          <a:noFill/>
+          <a:ln>
+            <a:noFill/>
+          </a:ln>
+        </p:spPr>
+      </p:pic>
+      <p:pic>
+        <p:nvPicPr>
+          <p:cNvPr id="7" name="Image 6">
+            <a:extLst>
+              <a:ext uri="{FF2B5EF4-FFF2-40B4-BE49-F238E27FC236}">
+                <a16:creationId xmlns:a16="http://schemas.microsoft.com/office/drawing/2014/main" id="{4A81AFD5-B92E-5561-81AE-C685F891B7E3}"/>
+              </a:ext>
+            </a:extLst>
+          </p:cNvPr>
+          <p:cNvPicPr>
+            <a:picLocks noChangeAspect="1"/>
+          </p:cNvPicPr>
+          <p:nvPr/>
+        </p:nvPicPr>
+        <p:blipFill>
+          <a:blip r:embed="rId3"/>
+          <a:stretch>
+            <a:fillRect/>
+          </a:stretch>
+        </p:blipFill>
+        <p:spPr>
+          <a:xfrm>
+            <a:off x="2759030" y="1532360"/>
+            <a:ext cx="4244708" cy="3398815"/>
+          </a:xfrm>
+          <a:prstGeom prst="rect">
+            <a:avLst/>
+          </a:prstGeom>
+        </p:spPr>
+      </p:pic>
+    </p:spTree>
+    <p:extLst>
+      <p:ext uri="{BB962C8B-B14F-4D97-AF65-F5344CB8AC3E}">
+        <p14:creationId xmlns:p14="http://schemas.microsoft.com/office/powerpoint/2010/main" val="4032126074"/>
+      </p:ext>
+    </p:extLst>
+  </p:cSld>
+  <p:clrMapOvr>
+    <a:masterClrMapping/>
+  </p:clrMapOvr>
+</p:sld>
+</file>
+
+<file path=ppt/slides/slide11.xml><?xml version="1.0" encoding="utf-8"?>
+<p:sld xmlns:a="http://schemas.openxmlformats.org/drawingml/2006/main" xmlns:r="http://schemas.openxmlformats.org/officeDocument/2006/relationships" xmlns:p="http://schemas.openxmlformats.org/presentationml/2006/main">
+  <p:cSld>
+    <p:spTree>
+      <p:nvGrpSpPr>
         <p:cNvPr id="1" name="Shape 110"/>
         <p:cNvGrpSpPr/>
         <p:nvPr/>
@@ -6783,7 +7116,7 @@
         </p:spPr>
         <p:txBody>
           <a:bodyPr spcFirstLastPara="1" wrap="square" lIns="91425" tIns="91425" rIns="91425" bIns="91425" anchor="t" anchorCtr="0">
-            <a:normAutofit fontScale="90000"/>
+            <a:noAutofit/>
           </a:bodyPr>
           <a:lstStyle/>
           <a:p>
@@ -6800,7 +7133,7 @@
               <a:buNone/>
             </a:pPr>
             <a:r>
-              <a:rPr lang="fr" sz="2000" dirty="0">
+              <a:rPr lang="fr" sz="2400" dirty="0">
                 <a:latin typeface="Montserrat"/>
                 <a:ea typeface="Montserrat"/>
                 <a:cs typeface="Montserrat"/>
@@ -6808,7 +7141,7 @@
               </a:rPr>
               <a:t>Veille Technologique</a:t>
             </a:r>
-            <a:endParaRPr sz="2000" dirty="0">
+            <a:endParaRPr sz="2400" dirty="0">
               <a:solidFill>
                 <a:schemeClr val="dk2"/>
               </a:solidFill>
@@ -7398,7 +7731,7 @@
 </p:sld>
 </file>
 
-<file path=ppt/slides/slide11.xml><?xml version="1.0" encoding="utf-8"?>
+<file path=ppt/slides/slide12.xml><?xml version="1.0" encoding="utf-8"?>
 <p:sld xmlns:a="http://schemas.openxmlformats.org/drawingml/2006/main" xmlns:r="http://schemas.openxmlformats.org/officeDocument/2006/relationships" xmlns:p="http://schemas.openxmlformats.org/presentationml/2006/main">
   <p:cSld>
     <p:spTree>
@@ -7678,6 +8011,92 @@
           </a:p>
         </p:txBody>
       </p:sp>
+      <p:sp>
+        <p:nvSpPr>
+          <p:cNvPr id="4" name="Google Shape;115;p20">
+            <a:extLst>
+              <a:ext uri="{FF2B5EF4-FFF2-40B4-BE49-F238E27FC236}">
+                <a16:creationId xmlns:a16="http://schemas.microsoft.com/office/drawing/2014/main" id="{F3DBE3A4-1A60-E161-31BA-B00AB81A35DC}"/>
+              </a:ext>
+            </a:extLst>
+          </p:cNvPr>
+          <p:cNvSpPr/>
+          <p:nvPr/>
+        </p:nvSpPr>
+        <p:spPr>
+          <a:xfrm>
+            <a:off x="-4800" y="0"/>
+            <a:ext cx="9153600" cy="239700"/>
+          </a:xfrm>
+          <a:prstGeom prst="rect">
+            <a:avLst/>
+          </a:prstGeom>
+          <a:solidFill>
+            <a:srgbClr val="FCE5CD"/>
+          </a:solidFill>
+          <a:ln w="9525" cap="flat" cmpd="sng">
+            <a:solidFill>
+              <a:srgbClr val="F7EDDE"/>
+            </a:solidFill>
+            <a:prstDash val="solid"/>
+            <a:round/>
+            <a:headEnd type="none" w="sm" len="sm"/>
+            <a:tailEnd type="none" w="sm" len="sm"/>
+          </a:ln>
+        </p:spPr>
+        <p:txBody>
+          <a:bodyPr spcFirstLastPara="1" wrap="square" lIns="91425" tIns="91425" rIns="91425" bIns="91425" anchor="ctr" anchorCtr="0">
+            <a:noAutofit/>
+          </a:bodyPr>
+          <a:lstStyle/>
+          <a:p>
+            <a:pPr marL="0" lvl="0" indent="0" algn="ctr" rtl="0">
+              <a:spcBef>
+                <a:spcPts val="0"/>
+              </a:spcBef>
+              <a:spcAft>
+                <a:spcPts val="0"/>
+              </a:spcAft>
+              <a:buNone/>
+            </a:pPr>
+            <a:endParaRPr/>
+          </a:p>
+        </p:txBody>
+      </p:sp>
+      <p:pic>
+        <p:nvPicPr>
+          <p:cNvPr id="7" name="Google Shape;116;p20">
+            <a:extLst>
+              <a:ext uri="{FF2B5EF4-FFF2-40B4-BE49-F238E27FC236}">
+                <a16:creationId xmlns:a16="http://schemas.microsoft.com/office/drawing/2014/main" id="{544E537D-988D-44E6-444F-19D8F65E8325}"/>
+              </a:ext>
+            </a:extLst>
+          </p:cNvPr>
+          <p:cNvPicPr preferRelativeResize="0"/>
+          <p:nvPr/>
+        </p:nvPicPr>
+        <p:blipFill>
+          <a:blip r:embed="rId5">
+            <a:alphaModFix/>
+          </a:blip>
+          <a:stretch>
+            <a:fillRect/>
+          </a:stretch>
+        </p:blipFill>
+        <p:spPr>
+          <a:xfrm>
+            <a:off x="8469575" y="-4"/>
+            <a:ext cx="674425" cy="340550"/>
+          </a:xfrm>
+          <a:prstGeom prst="rect">
+            <a:avLst/>
+          </a:prstGeom>
+          <a:noFill/>
+          <a:ln>
+            <a:noFill/>
+          </a:ln>
+        </p:spPr>
+      </p:pic>
     </p:spTree>
     <p:extLst>
       <p:ext uri="{BB962C8B-B14F-4D97-AF65-F5344CB8AC3E}">
@@ -7691,7 +8110,7 @@
 </p:sld>
 </file>
 
-<file path=ppt/slides/slide12.xml><?xml version="1.0" encoding="utf-8"?>
+<file path=ppt/slides/slide13.xml><?xml version="1.0" encoding="utf-8"?>
 <p:sld xmlns:a="http://schemas.openxmlformats.org/drawingml/2006/main" xmlns:r="http://schemas.openxmlformats.org/officeDocument/2006/relationships" xmlns:p="http://schemas.openxmlformats.org/presentationml/2006/main">
   <p:cSld>
     <p:spTree>
@@ -7729,7 +8148,7 @@
         </p:spPr>
         <p:txBody>
           <a:bodyPr spcFirstLastPara="1" wrap="square" lIns="91425" tIns="91425" rIns="91425" bIns="91425" anchor="t" anchorCtr="0">
-            <a:normAutofit fontScale="90000"/>
+            <a:noAutofit/>
           </a:bodyPr>
           <a:lstStyle/>
           <a:p>
@@ -7746,7 +8165,7 @@
               <a:buNone/>
             </a:pPr>
             <a:r>
-              <a:rPr lang="fr" sz="2000" dirty="0">
+              <a:rPr lang="fr" sz="2400" dirty="0">
                 <a:latin typeface="Montserrat"/>
                 <a:ea typeface="Montserrat"/>
                 <a:cs typeface="Montserrat"/>
@@ -7754,7 +8173,7 @@
               </a:rPr>
               <a:t>Conclusion</a:t>
             </a:r>
-            <a:endParaRPr sz="2000" dirty="0">
+            <a:endParaRPr sz="2400" dirty="0">
               <a:solidFill>
                 <a:schemeClr val="dk2"/>
               </a:solidFill>
@@ -8085,7 +8504,7 @@
 </p:sld>
 </file>
 
-<file path=ppt/slides/slide13.xml><?xml version="1.0" encoding="utf-8"?>
+<file path=ppt/slides/slide14.xml><?xml version="1.0" encoding="utf-8"?>
 <p:sld xmlns:a="http://schemas.openxmlformats.org/drawingml/2006/main" xmlns:r="http://schemas.openxmlformats.org/officeDocument/2006/relationships" xmlns:p="http://schemas.openxmlformats.org/presentationml/2006/main">
   <p:cSld>
     <p:bg>
@@ -8292,7 +8711,7 @@
           </a:bodyPr>
           <a:lstStyle/>
           <a:p>
-            <a:pPr marL="0" lvl="0" indent="0" algn="l" rtl="0">
+            <a:pPr marL="0" lvl="0" indent="0" algn="ctr" rtl="0">
               <a:spcBef>
                 <a:spcPts val="0"/>
               </a:spcBef>
@@ -8302,7 +8721,7 @@
               <a:buNone/>
             </a:pPr>
             <a:r>
-              <a:rPr lang="fr">
+              <a:rPr lang="fr" dirty="0">
                 <a:latin typeface="Montserrat"/>
                 <a:ea typeface="Montserrat"/>
                 <a:cs typeface="Montserrat"/>
@@ -8310,7 +8729,7 @@
               </a:rPr>
               <a:t>Sommaire</a:t>
             </a:r>
-            <a:endParaRPr>
+            <a:endParaRPr dirty="0">
               <a:latin typeface="Montserrat"/>
               <a:ea typeface="Montserrat"/>
               <a:cs typeface="Montserrat"/>
@@ -8362,7 +8781,7 @@
               <a:buAutoNum type="arabicPeriod"/>
             </a:pPr>
             <a:r>
-              <a:rPr lang="fr" sz="1700">
+              <a:rPr lang="fr" sz="1700" dirty="0">
                 <a:solidFill>
                   <a:srgbClr val="0D0D0D"/>
                 </a:solidFill>
@@ -8376,7 +8795,7 @@
               </a:rPr>
               <a:t>Contexte du projet</a:t>
             </a:r>
-            <a:endParaRPr sz="1700">
+            <a:endParaRPr sz="1700" dirty="0">
               <a:solidFill>
                 <a:srgbClr val="0D0D0D"/>
               </a:solidFill>
@@ -8408,7 +8827,7 @@
               <a:buAutoNum type="arabicPeriod"/>
             </a:pPr>
             <a:r>
-              <a:rPr lang="fr" sz="1700">
+              <a:rPr lang="fr" sz="1700" dirty="0">
                 <a:solidFill>
                   <a:srgbClr val="0D0D0D"/>
                 </a:solidFill>
@@ -8422,7 +8841,7 @@
               </a:rPr>
               <a:t>Aperçu de la maquette</a:t>
             </a:r>
-            <a:endParaRPr sz="1700">
+            <a:endParaRPr sz="1700" dirty="0">
               <a:solidFill>
                 <a:srgbClr val="0D0D0D"/>
               </a:solidFill>
@@ -8454,7 +8873,7 @@
               <a:buAutoNum type="arabicPeriod"/>
             </a:pPr>
             <a:r>
-              <a:rPr lang="fr" sz="1700">
+              <a:rPr lang="fr" sz="1700" dirty="0">
                 <a:solidFill>
                   <a:srgbClr val="0D0D0D"/>
                 </a:solidFill>
@@ -8468,7 +8887,7 @@
               </a:rPr>
               <a:t>Méthodologie utilisée</a:t>
             </a:r>
-            <a:endParaRPr sz="1700">
+            <a:endParaRPr sz="1700" dirty="0">
               <a:solidFill>
                 <a:srgbClr val="0D0D0D"/>
               </a:solidFill>
@@ -8500,7 +8919,7 @@
               <a:buAutoNum type="arabicPeriod"/>
             </a:pPr>
             <a:r>
-              <a:rPr lang="fr" sz="1700">
+              <a:rPr lang="fr" sz="1700" dirty="0">
                 <a:solidFill>
                   <a:srgbClr val="0D0D0D"/>
                 </a:solidFill>
@@ -8514,7 +8933,7 @@
               </a:rPr>
               <a:t>Tableau Kanban</a:t>
             </a:r>
-            <a:endParaRPr sz="1700">
+            <a:endParaRPr sz="1700" dirty="0">
               <a:solidFill>
                 <a:srgbClr val="0D0D0D"/>
               </a:solidFill>
@@ -8546,7 +8965,7 @@
               <a:buAutoNum type="arabicPeriod"/>
             </a:pPr>
             <a:r>
-              <a:rPr lang="fr" sz="1700">
+              <a:rPr lang="fr" sz="1700" dirty="0">
                 <a:solidFill>
                   <a:srgbClr val="0D0D0D"/>
                 </a:solidFill>
@@ -8560,7 +8979,7 @@
               </a:rPr>
               <a:t>Spécifications techniques</a:t>
             </a:r>
-            <a:endParaRPr sz="1700">
+            <a:endParaRPr sz="1700" dirty="0">
               <a:solidFill>
                 <a:srgbClr val="0D0D0D"/>
               </a:solidFill>
@@ -8592,7 +9011,7 @@
               <a:buAutoNum type="arabicPeriod"/>
             </a:pPr>
             <a:r>
-              <a:rPr lang="fr" sz="1700">
+              <a:rPr lang="fr" sz="1700" dirty="0">
                 <a:solidFill>
                   <a:srgbClr val="0D0D0D"/>
                 </a:solidFill>
@@ -8606,7 +9025,7 @@
               </a:rPr>
               <a:t>Veille technologique</a:t>
             </a:r>
-            <a:endParaRPr sz="1700">
+            <a:endParaRPr sz="1700" dirty="0">
               <a:solidFill>
                 <a:srgbClr val="0D0D0D"/>
               </a:solidFill>
@@ -8638,7 +9057,7 @@
               <a:buAutoNum type="arabicPeriod"/>
             </a:pPr>
             <a:r>
-              <a:rPr lang="fr" sz="1700">
+              <a:rPr lang="fr" sz="1700" dirty="0">
                 <a:solidFill>
                   <a:srgbClr val="0D0D0D"/>
                 </a:solidFill>
@@ -8652,7 +9071,7 @@
               </a:rPr>
               <a:t>Conclusion </a:t>
             </a:r>
-            <a:endParaRPr sz="1700">
+            <a:endParaRPr sz="1700" dirty="0">
               <a:solidFill>
                 <a:srgbClr val="0D0D0D"/>
               </a:solidFill>
@@ -8684,7 +9103,7 @@
               <a:buAutoNum type="arabicPeriod"/>
             </a:pPr>
             <a:r>
-              <a:rPr lang="fr" sz="1700">
+              <a:rPr lang="fr" sz="1700" dirty="0">
                 <a:solidFill>
                   <a:srgbClr val="0D0D0D"/>
                 </a:solidFill>
@@ -8698,7 +9117,7 @@
               </a:rPr>
               <a:t>Questions</a:t>
             </a:r>
-            <a:endParaRPr sz="1700">
+            <a:endParaRPr sz="1700" dirty="0">
               <a:solidFill>
                 <a:srgbClr val="0D0D0D"/>
               </a:solidFill>
@@ -8721,7 +9140,7 @@
               </a:spcAft>
               <a:buNone/>
             </a:pPr>
-            <a:endParaRPr sz="1200">
+            <a:endParaRPr sz="1200" dirty="0">
               <a:solidFill>
                 <a:schemeClr val="dk1"/>
               </a:solidFill>
@@ -8736,9 +9155,67 @@
           </a:p>
         </p:txBody>
       </p:sp>
+      <p:sp>
+        <p:nvSpPr>
+          <p:cNvPr id="2" name="Google Shape;70;p15">
+            <a:extLst>
+              <a:ext uri="{FF2B5EF4-FFF2-40B4-BE49-F238E27FC236}">
+                <a16:creationId xmlns:a16="http://schemas.microsoft.com/office/drawing/2014/main" id="{C1C63FF5-5E5D-EF1C-FD55-EB01B56ABC98}"/>
+              </a:ext>
+            </a:extLst>
+          </p:cNvPr>
+          <p:cNvSpPr/>
+          <p:nvPr/>
+        </p:nvSpPr>
+        <p:spPr>
+          <a:xfrm>
+            <a:off x="-4800" y="0"/>
+            <a:ext cx="9153600" cy="239700"/>
+          </a:xfrm>
+          <a:prstGeom prst="rect">
+            <a:avLst/>
+          </a:prstGeom>
+          <a:solidFill>
+            <a:srgbClr val="FCE5CD"/>
+          </a:solidFill>
+          <a:ln w="9525" cap="flat" cmpd="sng">
+            <a:solidFill>
+              <a:srgbClr val="F7EDDE"/>
+            </a:solidFill>
+            <a:prstDash val="solid"/>
+            <a:round/>
+            <a:headEnd type="none" w="sm" len="sm"/>
+            <a:tailEnd type="none" w="sm" len="sm"/>
+          </a:ln>
+        </p:spPr>
+        <p:txBody>
+          <a:bodyPr spcFirstLastPara="1" wrap="square" lIns="91425" tIns="91425" rIns="91425" bIns="91425" anchor="ctr" anchorCtr="0">
+            <a:noAutofit/>
+          </a:bodyPr>
+          <a:lstStyle/>
+          <a:p>
+            <a:pPr marL="0" lvl="0" indent="0" algn="ctr" rtl="0">
+              <a:spcBef>
+                <a:spcPts val="0"/>
+              </a:spcBef>
+              <a:spcAft>
+                <a:spcPts val="0"/>
+              </a:spcAft>
+              <a:buNone/>
+            </a:pPr>
+            <a:endParaRPr/>
+          </a:p>
+        </p:txBody>
+      </p:sp>
       <p:pic>
         <p:nvPicPr>
-          <p:cNvPr id="63" name="Google Shape;63;p14"/>
+          <p:cNvPr id="3" name="Google Shape;71;p15">
+            <a:extLst>
+              <a:ext uri="{FF2B5EF4-FFF2-40B4-BE49-F238E27FC236}">
+                <a16:creationId xmlns:a16="http://schemas.microsoft.com/office/drawing/2014/main" id="{13699289-8EF3-7129-85A5-582D643CF0E9}"/>
+              </a:ext>
+            </a:extLst>
+          </p:cNvPr>
           <p:cNvPicPr preferRelativeResize="0"/>
           <p:nvPr/>
         </p:nvPicPr>
@@ -8752,7 +9229,7 @@
         </p:blipFill>
         <p:spPr>
           <a:xfrm>
-            <a:off x="8469575" y="-4"/>
+            <a:off x="8474375" y="-4"/>
             <a:ext cx="674425" cy="340550"/>
           </a:xfrm>
           <a:prstGeom prst="rect">
@@ -8810,7 +9287,7 @@
         </p:spPr>
         <p:txBody>
           <a:bodyPr spcFirstLastPara="1" wrap="square" lIns="91425" tIns="91425" rIns="91425" bIns="91425" anchor="t" anchorCtr="0">
-            <a:normAutofit fontScale="90000"/>
+            <a:noAutofit/>
           </a:bodyPr>
           <a:lstStyle/>
           <a:p>
@@ -8827,7 +9304,7 @@
               <a:buNone/>
             </a:pPr>
             <a:r>
-              <a:rPr lang="fr" sz="2000" dirty="0">
+              <a:rPr lang="fr" sz="2400" dirty="0">
                 <a:latin typeface="Montserrat"/>
                 <a:ea typeface="Montserrat"/>
                 <a:cs typeface="Montserrat"/>
@@ -8835,7 +9312,7 @@
               </a:rPr>
               <a:t>Contexte du Projet</a:t>
             </a:r>
-            <a:endParaRPr sz="3400" dirty="0">
+            <a:endParaRPr sz="2400" dirty="0">
               <a:latin typeface="Montserrat"/>
               <a:ea typeface="Montserrat"/>
               <a:cs typeface="Montserrat"/>
@@ -9161,7 +9638,7 @@
               <a:buNone/>
             </a:pPr>
             <a:r>
-              <a:rPr lang="fr" sz="2020" dirty="0">
+              <a:rPr lang="fr" sz="2400" dirty="0">
                 <a:latin typeface="Montserrat"/>
                 <a:ea typeface="Montserrat"/>
                 <a:cs typeface="Montserrat"/>
@@ -9169,7 +9646,7 @@
               </a:rPr>
               <a:t>Aperçu de la maquette</a:t>
             </a:r>
-            <a:endParaRPr sz="2020" dirty="0">
+            <a:endParaRPr sz="2400" dirty="0">
               <a:latin typeface="Montserrat"/>
               <a:ea typeface="Montserrat"/>
               <a:cs typeface="Montserrat"/>
@@ -9472,7 +9949,7 @@
         </p:spPr>
         <p:txBody>
           <a:bodyPr spcFirstLastPara="1" wrap="square" lIns="91425" tIns="91425" rIns="91425" bIns="91425" anchor="t" anchorCtr="0">
-            <a:normAutofit fontScale="90000"/>
+            <a:noAutofit/>
           </a:bodyPr>
           <a:lstStyle/>
           <a:p>
@@ -9489,15 +9966,15 @@
               <a:buNone/>
             </a:pPr>
             <a:r>
-              <a:rPr lang="fr" sz="2000" dirty="0">
+              <a:rPr lang="fr" sz="2400" dirty="0">
                 <a:latin typeface="Montserrat"/>
                 <a:ea typeface="Montserrat"/>
                 <a:cs typeface="Montserrat"/>
                 <a:sym typeface="Montserrat"/>
               </a:rPr>
-              <a:t>Méthodologie utilisée</a:t>
+              <a:t>Méthodologie Agile</a:t>
             </a:r>
-            <a:endParaRPr sz="3000" dirty="0">
+            <a:endParaRPr sz="2400" dirty="0">
               <a:latin typeface="Montserrat"/>
               <a:ea typeface="Montserrat"/>
               <a:cs typeface="Montserrat"/>
@@ -9527,11 +10004,324 @@
         </p:spPr>
         <p:txBody>
           <a:bodyPr spcFirstLastPara="1" wrap="square" lIns="91425" tIns="91425" rIns="91425" bIns="91425" anchor="t" anchorCtr="0">
-            <a:normAutofit fontScale="70000" lnSpcReduction="20000"/>
+            <a:normAutofit/>
           </a:bodyPr>
           <a:lstStyle/>
           <a:p>
-            <a:pPr marL="457200" lvl="0" indent="-323850" algn="l" rtl="0">
+            <a:pPr marL="114300" indent="0" algn="l">
+              <a:buNone/>
+            </a:pPr>
+            <a:r>
+              <a:rPr lang="fr-FR" sz="1500" b="1" i="0" dirty="0">
+                <a:solidFill>
+                  <a:srgbClr val="111111"/>
+                </a:solidFill>
+                <a:effectLst/>
+                <a:highlight>
+                  <a:srgbClr val="F3F3F3"/>
+                </a:highlight>
+                <a:latin typeface="+mj-lt"/>
+              </a:rPr>
+              <a:t>Méthode Agile</a:t>
+            </a:r>
+          </a:p>
+          <a:p>
+            <a:pPr marL="114300" indent="0" algn="l">
+              <a:lnSpc>
+                <a:spcPct val="100000"/>
+              </a:lnSpc>
+              <a:buNone/>
+            </a:pPr>
+            <a:r>
+              <a:rPr lang="fr-FR" sz="1400" b="0" i="0" dirty="0">
+                <a:solidFill>
+                  <a:srgbClr val="111111"/>
+                </a:solidFill>
+                <a:effectLst/>
+                <a:highlight>
+                  <a:srgbClr val="F3F3F3"/>
+                </a:highlight>
+                <a:latin typeface="+mj-lt"/>
+              </a:rPr>
+              <a:t>La méthode Agile est une approche de gestion de projet qui se concentre sur la flexibilité, la collaboration et l’amélioration continue.</a:t>
+            </a:r>
+          </a:p>
+          <a:p>
+            <a:pPr marL="114300" indent="0" algn="l">
+              <a:lnSpc>
+                <a:spcPct val="100000"/>
+              </a:lnSpc>
+              <a:buNone/>
+            </a:pPr>
+            <a:r>
+              <a:rPr lang="fr-FR" sz="1400" b="0" i="0" dirty="0">
+                <a:solidFill>
+                  <a:srgbClr val="111111"/>
+                </a:solidFill>
+                <a:effectLst/>
+                <a:highlight>
+                  <a:srgbClr val="F3F3F3"/>
+                </a:highlight>
+                <a:latin typeface="+mj-lt"/>
+              </a:rPr>
+              <a:t> Les principales caractéristiques de la méthode Agile incluent :</a:t>
+            </a:r>
+          </a:p>
+          <a:p>
+            <a:pPr marL="114300" indent="0" algn="l">
+              <a:lnSpc>
+                <a:spcPct val="100000"/>
+              </a:lnSpc>
+              <a:buNone/>
+            </a:pPr>
+            <a:r>
+              <a:rPr lang="fr-FR" sz="1500" b="1" i="0" dirty="0">
+                <a:solidFill>
+                  <a:srgbClr val="111111"/>
+                </a:solidFill>
+                <a:effectLst/>
+                <a:highlight>
+                  <a:srgbClr val="F3F3F3"/>
+                </a:highlight>
+                <a:latin typeface="+mj-lt"/>
+              </a:rPr>
+              <a:t>Itérations courtes</a:t>
+            </a:r>
+            <a:r>
+              <a:rPr lang="fr-FR" sz="1500" b="0" i="0" dirty="0">
+                <a:solidFill>
+                  <a:srgbClr val="111111"/>
+                </a:solidFill>
+                <a:effectLst/>
+                <a:highlight>
+                  <a:srgbClr val="F3F3F3"/>
+                </a:highlight>
+                <a:latin typeface="+mj-lt"/>
+              </a:rPr>
+              <a:t> </a:t>
+            </a:r>
+            <a:r>
+              <a:rPr lang="fr-FR" sz="1600" b="0" i="0" dirty="0">
+                <a:solidFill>
+                  <a:srgbClr val="111111"/>
+                </a:solidFill>
+                <a:effectLst/>
+                <a:highlight>
+                  <a:srgbClr val="F3F3F3"/>
+                </a:highlight>
+                <a:latin typeface="+mj-lt"/>
+              </a:rPr>
+              <a:t>: </a:t>
+            </a:r>
+            <a:r>
+              <a:rPr lang="fr-FR" sz="1400" b="0" i="0" dirty="0">
+                <a:solidFill>
+                  <a:srgbClr val="111111"/>
+                </a:solidFill>
+                <a:effectLst/>
+                <a:highlight>
+                  <a:srgbClr val="F3F3F3"/>
+                </a:highlight>
+                <a:latin typeface="+mj-lt"/>
+              </a:rPr>
+              <a:t>Les projets sont divisés en cycles courts appelés itérations ou sprints, permettant des ajustements fréquents.</a:t>
+            </a:r>
+          </a:p>
+          <a:p>
+            <a:pPr marL="114300" indent="0" algn="l">
+              <a:lnSpc>
+                <a:spcPct val="100000"/>
+              </a:lnSpc>
+              <a:buNone/>
+            </a:pPr>
+            <a:r>
+              <a:rPr lang="fr-FR" sz="1500" b="1" i="0" dirty="0">
+                <a:solidFill>
+                  <a:srgbClr val="111111"/>
+                </a:solidFill>
+                <a:effectLst/>
+                <a:highlight>
+                  <a:srgbClr val="F3F3F3"/>
+                </a:highlight>
+                <a:latin typeface="+mj-lt"/>
+              </a:rPr>
+              <a:t>Collaboration étroite</a:t>
+            </a:r>
+            <a:r>
+              <a:rPr lang="fr-FR" sz="1500" b="0" i="0" dirty="0">
+                <a:solidFill>
+                  <a:srgbClr val="111111"/>
+                </a:solidFill>
+                <a:effectLst/>
+                <a:highlight>
+                  <a:srgbClr val="F3F3F3"/>
+                </a:highlight>
+                <a:latin typeface="+mj-lt"/>
+              </a:rPr>
+              <a:t> </a:t>
+            </a:r>
+            <a:r>
+              <a:rPr lang="fr-FR" sz="1600" b="0" i="0" dirty="0">
+                <a:solidFill>
+                  <a:srgbClr val="111111"/>
+                </a:solidFill>
+                <a:effectLst/>
+                <a:highlight>
+                  <a:srgbClr val="F3F3F3"/>
+                </a:highlight>
+                <a:latin typeface="+mj-lt"/>
+              </a:rPr>
+              <a:t>:</a:t>
+            </a:r>
+            <a:r>
+              <a:rPr lang="fr-FR" sz="1500" b="0" i="0" dirty="0">
+                <a:solidFill>
+                  <a:srgbClr val="111111"/>
+                </a:solidFill>
+                <a:effectLst/>
+                <a:highlight>
+                  <a:srgbClr val="F3F3F3"/>
+                </a:highlight>
+                <a:latin typeface="+mj-lt"/>
+              </a:rPr>
+              <a:t> </a:t>
+            </a:r>
+            <a:r>
+              <a:rPr lang="fr-FR" sz="1400" b="0" i="0" dirty="0">
+                <a:solidFill>
+                  <a:srgbClr val="111111"/>
+                </a:solidFill>
+                <a:effectLst/>
+                <a:highlight>
+                  <a:srgbClr val="F3F3F3"/>
+                </a:highlight>
+                <a:latin typeface="+mj-lt"/>
+              </a:rPr>
+              <a:t>Une communication constante entre les membres de l’équipe et les parties prenantes est essentielle.</a:t>
+            </a:r>
+          </a:p>
+          <a:p>
+            <a:pPr marL="114300" indent="0" algn="l">
+              <a:lnSpc>
+                <a:spcPct val="100000"/>
+              </a:lnSpc>
+              <a:buNone/>
+            </a:pPr>
+            <a:r>
+              <a:rPr lang="fr-FR" sz="1500" b="1" i="0" dirty="0">
+                <a:solidFill>
+                  <a:srgbClr val="111111"/>
+                </a:solidFill>
+                <a:effectLst/>
+                <a:highlight>
+                  <a:srgbClr val="F3F3F3"/>
+                </a:highlight>
+                <a:latin typeface="+mj-lt"/>
+              </a:rPr>
+              <a:t>Adaptabilité</a:t>
+            </a:r>
+            <a:r>
+              <a:rPr lang="fr-FR" sz="1500" b="0" i="0" dirty="0">
+                <a:solidFill>
+                  <a:srgbClr val="111111"/>
+                </a:solidFill>
+                <a:effectLst/>
+                <a:highlight>
+                  <a:srgbClr val="F3F3F3"/>
+                </a:highlight>
+                <a:latin typeface="+mj-lt"/>
+              </a:rPr>
+              <a:t> </a:t>
+            </a:r>
+            <a:r>
+              <a:rPr lang="fr-FR" sz="1600" b="0" i="0" dirty="0">
+                <a:solidFill>
+                  <a:srgbClr val="111111"/>
+                </a:solidFill>
+                <a:effectLst/>
+                <a:highlight>
+                  <a:srgbClr val="F3F3F3"/>
+                </a:highlight>
+                <a:latin typeface="+mj-lt"/>
+              </a:rPr>
+              <a:t>:</a:t>
+            </a:r>
+            <a:r>
+              <a:rPr lang="fr-FR" sz="1400" b="0" i="0" dirty="0">
+                <a:solidFill>
+                  <a:srgbClr val="111111"/>
+                </a:solidFill>
+                <a:effectLst/>
+                <a:highlight>
+                  <a:srgbClr val="F3F3F3"/>
+                </a:highlight>
+                <a:latin typeface="+mj-lt"/>
+              </a:rPr>
+              <a:t> Les changements sont vus comme des opportunités d’amélioration plutôt que des obstacles.</a:t>
+            </a:r>
+          </a:p>
+          <a:p>
+            <a:pPr marL="114300" indent="0" algn="l">
+              <a:lnSpc>
+                <a:spcPct val="100000"/>
+              </a:lnSpc>
+              <a:buNone/>
+            </a:pPr>
+            <a:r>
+              <a:rPr lang="fr-FR" sz="1500" b="1" i="0" dirty="0">
+                <a:solidFill>
+                  <a:srgbClr val="111111"/>
+                </a:solidFill>
+                <a:effectLst/>
+                <a:highlight>
+                  <a:srgbClr val="F3F3F3"/>
+                </a:highlight>
+                <a:latin typeface="+mj-lt"/>
+              </a:rPr>
+              <a:t>Livraison fréquente</a:t>
+            </a:r>
+            <a:r>
+              <a:rPr lang="fr-FR" sz="1500" b="0" i="0" dirty="0">
+                <a:solidFill>
+                  <a:srgbClr val="111111"/>
+                </a:solidFill>
+                <a:effectLst/>
+                <a:highlight>
+                  <a:srgbClr val="F3F3F3"/>
+                </a:highlight>
+                <a:latin typeface="+mj-lt"/>
+              </a:rPr>
+              <a:t> </a:t>
+            </a:r>
+            <a:r>
+              <a:rPr lang="fr-FR" sz="1600" b="0" i="0" dirty="0">
+                <a:solidFill>
+                  <a:srgbClr val="111111"/>
+                </a:solidFill>
+                <a:effectLst/>
+                <a:highlight>
+                  <a:srgbClr val="F3F3F3"/>
+                </a:highlight>
+                <a:latin typeface="+mj-lt"/>
+              </a:rPr>
+              <a:t>:</a:t>
+            </a:r>
+            <a:r>
+              <a:rPr lang="fr-FR" sz="1400" b="0" i="0" dirty="0">
+                <a:solidFill>
+                  <a:srgbClr val="111111"/>
+                </a:solidFill>
+                <a:effectLst/>
+                <a:highlight>
+                  <a:srgbClr val="F3F3F3"/>
+                </a:highlight>
+                <a:latin typeface="+mj-lt"/>
+              </a:rPr>
+              <a:t> Des versions fonctionnelles du produit sont livrées régulièrement pour obtenir des retours rapides.</a:t>
+            </a:r>
+          </a:p>
+          <a:p>
+            <a:pPr marL="133350" lvl="0" indent="0" algn="l" rtl="0">
               <a:spcBef>
                 <a:spcPts val="0"/>
               </a:spcBef>
@@ -9542,39 +10332,7 @@
                 <a:srgbClr val="0D0D0D"/>
               </a:buClr>
               <a:buSzPts val="1500"/>
-              <a:buFont typeface="Montserrat"/>
-              <a:buChar char="●"/>
-            </a:pPr>
-            <a:r>
-              <a:rPr lang="fr" sz="1500" dirty="0">
-                <a:solidFill>
-                  <a:srgbClr val="0D0D0D"/>
-                </a:solidFill>
-                <a:highlight>
-                  <a:srgbClr val="FFFFFF"/>
-                </a:highlight>
-                <a:latin typeface="Montserrat"/>
-                <a:ea typeface="Montserrat"/>
-                <a:cs typeface="Montserrat"/>
-                <a:sym typeface="Montserrat"/>
-              </a:rPr>
-              <a:t>Explication brève de la méthodologie Agile et Scrum qui sont deux méthodes de gestion de projet Agile.</a:t>
-            </a:r>
-          </a:p>
-          <a:p>
-            <a:pPr marL="457200" lvl="0" indent="-323850" algn="l" rtl="0">
-              <a:spcBef>
-                <a:spcPts val="0"/>
-              </a:spcBef>
-              <a:spcAft>
-                <a:spcPts val="0"/>
-              </a:spcAft>
-              <a:buClr>
-                <a:srgbClr val="0D0D0D"/>
-              </a:buClr>
-              <a:buSzPts val="1500"/>
-              <a:buFont typeface="Montserrat"/>
-              <a:buChar char="●"/>
+              <a:buNone/>
             </a:pPr>
             <a:endParaRPr lang="fr" sz="1500" dirty="0">
               <a:solidFill>
@@ -9590,407 +10348,12 @@
             </a:endParaRPr>
           </a:p>
           <a:p>
-            <a:pPr marL="133350" lvl="0" indent="0" algn="l" rtl="0">
-              <a:spcBef>
-                <a:spcPts val="0"/>
-              </a:spcBef>
-              <a:spcAft>
-                <a:spcPts val="0"/>
-              </a:spcAft>
+            <a:pPr marL="133350" indent="0">
               <a:buClr>
                 <a:srgbClr val="0D0D0D"/>
               </a:buClr>
               <a:buSzPts val="1500"/>
               <a:buNone/>
-            </a:pPr>
-            <a:r>
-              <a:rPr lang="fr" sz="1500" dirty="0">
-                <a:solidFill>
-                  <a:srgbClr val="0D0D0D"/>
-                </a:solidFill>
-                <a:highlight>
-                  <a:srgbClr val="FFFFFF"/>
-                </a:highlight>
-                <a:latin typeface="Montserrat"/>
-                <a:ea typeface="Montserrat"/>
-                <a:cs typeface="Montserrat"/>
-                <a:sym typeface="Montserrat"/>
-              </a:rPr>
-              <a:t>       1/ </a:t>
-            </a:r>
-            <a:r>
-              <a:rPr lang="fr" sz="1500" dirty="0">
-                <a:solidFill>
-                  <a:srgbClr val="0D0D0D"/>
-                </a:solidFill>
-                <a:effectLst>
-                  <a:outerShdw blurRad="38100" dist="38100" dir="2700000" algn="tl">
-                    <a:srgbClr val="000000">
-                      <a:alpha val="43137"/>
-                    </a:srgbClr>
-                  </a:outerShdw>
-                </a:effectLst>
-                <a:highlight>
-                  <a:srgbClr val="FFFFFF"/>
-                </a:highlight>
-                <a:latin typeface="Montserrat"/>
-                <a:ea typeface="Montserrat"/>
-                <a:cs typeface="Montserrat"/>
-                <a:sym typeface="Montserrat"/>
-              </a:rPr>
-              <a:t>Méthode Agile appuyée sur quatres valeurs fondamentales et ses douze principes.</a:t>
-            </a:r>
-          </a:p>
-          <a:p>
-            <a:pPr marL="133350" lvl="0" indent="0" algn="l" rtl="0">
-              <a:spcBef>
-                <a:spcPts val="0"/>
-              </a:spcBef>
-              <a:spcAft>
-                <a:spcPts val="0"/>
-              </a:spcAft>
-              <a:buClr>
-                <a:srgbClr val="0D0D0D"/>
-              </a:buClr>
-              <a:buSzPts val="1500"/>
-              <a:buNone/>
-            </a:pPr>
-            <a:r>
-              <a:rPr lang="fr" sz="1500" dirty="0">
-                <a:solidFill>
-                  <a:srgbClr val="0D0D0D"/>
-                </a:solidFill>
-                <a:highlight>
-                  <a:srgbClr val="FFFFFF"/>
-                </a:highlight>
-                <a:latin typeface="Montserrat"/>
-                <a:ea typeface="Montserrat"/>
-                <a:cs typeface="Montserrat"/>
-                <a:sym typeface="Montserrat"/>
-              </a:rPr>
-              <a:t>        - travail en équipe permettant des intéractions entre les individus, en les soudant, dynamisant, et responsabilisant.</a:t>
-            </a:r>
-          </a:p>
-          <a:p>
-            <a:pPr marL="133350" lvl="0" indent="0" algn="l" rtl="0">
-              <a:spcBef>
-                <a:spcPts val="0"/>
-              </a:spcBef>
-              <a:spcAft>
-                <a:spcPts val="0"/>
-              </a:spcAft>
-              <a:buClr>
-                <a:srgbClr val="0D0D0D"/>
-              </a:buClr>
-              <a:buSzPts val="1500"/>
-              <a:buNone/>
-            </a:pPr>
-            <a:r>
-              <a:rPr lang="fr" sz="1500" dirty="0">
-                <a:solidFill>
-                  <a:srgbClr val="0D0D0D"/>
-                </a:solidFill>
-                <a:highlight>
-                  <a:srgbClr val="FFFFFF"/>
-                </a:highlight>
-                <a:latin typeface="Montserrat"/>
-                <a:ea typeface="Montserrat"/>
-                <a:cs typeface="Montserrat"/>
-                <a:sym typeface="Montserrat"/>
-              </a:rPr>
-              <a:t>        - Auto-gestion de l’équipe, chacun choisit sur quoi et avec qui il va travailler.</a:t>
-            </a:r>
-          </a:p>
-          <a:p>
-            <a:pPr marL="133350" lvl="0" indent="0" algn="l" rtl="0">
-              <a:spcBef>
-                <a:spcPts val="0"/>
-              </a:spcBef>
-              <a:spcAft>
-                <a:spcPts val="0"/>
-              </a:spcAft>
-              <a:buClr>
-                <a:srgbClr val="0D0D0D"/>
-              </a:buClr>
-              <a:buSzPts val="1500"/>
-              <a:buNone/>
-            </a:pPr>
-            <a:r>
-              <a:rPr lang="fr" sz="1500" dirty="0">
-                <a:solidFill>
-                  <a:srgbClr val="0D0D0D"/>
-                </a:solidFill>
-                <a:highlight>
-                  <a:srgbClr val="FFFFFF"/>
-                </a:highlight>
-                <a:latin typeface="Montserrat"/>
-                <a:ea typeface="Montserrat"/>
-                <a:cs typeface="Montserrat"/>
-                <a:sym typeface="Montserrat"/>
-              </a:rPr>
-              <a:t>        - Collaboration avec le client, en étant certain qu’il a compris la démarche agile.</a:t>
-            </a:r>
-          </a:p>
-          <a:p>
-            <a:pPr marL="133350" lvl="0" indent="0" algn="l" rtl="0">
-              <a:spcBef>
-                <a:spcPts val="0"/>
-              </a:spcBef>
-              <a:spcAft>
-                <a:spcPts val="0"/>
-              </a:spcAft>
-              <a:buClr>
-                <a:srgbClr val="0D0D0D"/>
-              </a:buClr>
-              <a:buSzPts val="1500"/>
-              <a:buNone/>
-            </a:pPr>
-            <a:r>
-              <a:rPr lang="fr" sz="1500" dirty="0">
-                <a:solidFill>
-                  <a:srgbClr val="0D0D0D"/>
-                </a:solidFill>
-                <a:highlight>
-                  <a:srgbClr val="FFFFFF"/>
-                </a:highlight>
-                <a:latin typeface="Montserrat"/>
-                <a:ea typeface="Montserrat"/>
-                <a:cs typeface="Montserrat"/>
-                <a:sym typeface="Montserrat"/>
-              </a:rPr>
-              <a:t>        - Faire preuve d’adaptation au changement</a:t>
-            </a:r>
-          </a:p>
-          <a:p>
-            <a:pPr marL="133350" lvl="0" indent="0" algn="l" rtl="0">
-              <a:spcBef>
-                <a:spcPts val="0"/>
-              </a:spcBef>
-              <a:spcAft>
-                <a:spcPts val="0"/>
-              </a:spcAft>
-              <a:buClr>
-                <a:srgbClr val="0D0D0D"/>
-              </a:buClr>
-              <a:buSzPts val="1500"/>
-              <a:buNone/>
-            </a:pPr>
-            <a:endParaRPr lang="fr" sz="1500" dirty="0">
-              <a:solidFill>
-                <a:srgbClr val="0D0D0D"/>
-              </a:solidFill>
-              <a:highlight>
-                <a:srgbClr val="FFFFFF"/>
-              </a:highlight>
-              <a:latin typeface="Montserrat"/>
-              <a:ea typeface="Montserrat"/>
-              <a:cs typeface="Montserrat"/>
-              <a:sym typeface="Montserrat"/>
-            </a:endParaRPr>
-          </a:p>
-          <a:p>
-            <a:pPr marL="133350" lvl="0" indent="0" algn="l" rtl="0">
-              <a:spcBef>
-                <a:spcPts val="0"/>
-              </a:spcBef>
-              <a:spcAft>
-                <a:spcPts val="0"/>
-              </a:spcAft>
-              <a:buClr>
-                <a:srgbClr val="0D0D0D"/>
-              </a:buClr>
-              <a:buSzPts val="1500"/>
-              <a:buNone/>
-            </a:pPr>
-            <a:r>
-              <a:rPr lang="fr" sz="1500" dirty="0">
-                <a:solidFill>
-                  <a:srgbClr val="0D0D0D"/>
-                </a:solidFill>
-                <a:highlight>
-                  <a:srgbClr val="FFFFFF"/>
-                </a:highlight>
-                <a:latin typeface="Montserrat"/>
-                <a:ea typeface="Montserrat"/>
-                <a:cs typeface="Montserrat"/>
-                <a:sym typeface="Montserrat"/>
-              </a:rPr>
-              <a:t>       2/ </a:t>
-            </a:r>
-            <a:r>
-              <a:rPr lang="fr" sz="1500" dirty="0">
-                <a:solidFill>
-                  <a:srgbClr val="0D0D0D"/>
-                </a:solidFill>
-                <a:effectLst>
-                  <a:outerShdw blurRad="38100" dist="38100" dir="2700000" algn="tl">
-                    <a:srgbClr val="000000">
-                      <a:alpha val="43137"/>
-                    </a:srgbClr>
-                  </a:outerShdw>
-                </a:effectLst>
-                <a:highlight>
-                  <a:srgbClr val="FFFFFF"/>
-                </a:highlight>
-                <a:latin typeface="Montserrat"/>
-                <a:ea typeface="Montserrat"/>
-                <a:cs typeface="Montserrat"/>
-                <a:sym typeface="Montserrat"/>
-              </a:rPr>
-              <a:t>Méthode Scrum</a:t>
-            </a:r>
-          </a:p>
-          <a:p>
-            <a:pPr marL="133350" lvl="0" indent="0" algn="l" rtl="0">
-              <a:spcBef>
-                <a:spcPts val="0"/>
-              </a:spcBef>
-              <a:spcAft>
-                <a:spcPts val="0"/>
-              </a:spcAft>
-              <a:buClr>
-                <a:srgbClr val="0D0D0D"/>
-              </a:buClr>
-              <a:buSzPts val="1500"/>
-              <a:buNone/>
-            </a:pPr>
-            <a:r>
-              <a:rPr lang="fr" sz="1500" dirty="0">
-                <a:solidFill>
-                  <a:srgbClr val="0D0D0D"/>
-                </a:solidFill>
-                <a:highlight>
-                  <a:srgbClr val="FFFFFF"/>
-                </a:highlight>
-                <a:latin typeface="Montserrat"/>
-                <a:ea typeface="Montserrat"/>
-                <a:cs typeface="Montserrat"/>
-                <a:sym typeface="Montserrat"/>
-              </a:rPr>
-              <a:t>Chaque besoin sera traité en sprint sur de brèves durées inférieures à deux semaines et  servant a développer une ou plusieurs fonctionnalités.</a:t>
-            </a:r>
-          </a:p>
-          <a:p>
-            <a:pPr marL="133350" lvl="0" indent="0" algn="l" rtl="0">
-              <a:spcBef>
-                <a:spcPts val="0"/>
-              </a:spcBef>
-              <a:spcAft>
-                <a:spcPts val="0"/>
-              </a:spcAft>
-              <a:buClr>
-                <a:srgbClr val="0D0D0D"/>
-              </a:buClr>
-              <a:buSzPts val="1500"/>
-              <a:buNone/>
-            </a:pPr>
-            <a:endParaRPr sz="1500" dirty="0">
-              <a:solidFill>
-                <a:srgbClr val="0D0D0D"/>
-              </a:solidFill>
-              <a:highlight>
-                <a:srgbClr val="FFFFFF"/>
-              </a:highlight>
-              <a:latin typeface="Montserrat"/>
-              <a:ea typeface="Montserrat"/>
-              <a:cs typeface="Montserrat"/>
-              <a:sym typeface="Montserrat"/>
-            </a:endParaRPr>
-          </a:p>
-          <a:p>
-            <a:pPr marL="457200" lvl="0" indent="-323850" algn="l" rtl="0">
-              <a:spcBef>
-                <a:spcPts val="0"/>
-              </a:spcBef>
-              <a:spcAft>
-                <a:spcPts val="0"/>
-              </a:spcAft>
-              <a:buClr>
-                <a:srgbClr val="0D0D0D"/>
-              </a:buClr>
-              <a:buSzPts val="1500"/>
-              <a:buFont typeface="Montserrat"/>
-              <a:buChar char="●"/>
-            </a:pPr>
-            <a:r>
-              <a:rPr lang="fr" sz="1500" dirty="0">
-                <a:solidFill>
-                  <a:srgbClr val="0D0D0D"/>
-                </a:solidFill>
-                <a:highlight>
-                  <a:srgbClr val="FFFFFF"/>
-                </a:highlight>
-                <a:latin typeface="Montserrat"/>
-                <a:ea typeface="Montserrat"/>
-                <a:cs typeface="Montserrat"/>
-                <a:sym typeface="Montserrat"/>
-              </a:rPr>
-              <a:t>Avantages de cette approche pour le projet Menu Maker.</a:t>
-            </a:r>
-          </a:p>
-          <a:p>
-            <a:pPr marL="133350" lvl="0" indent="0" algn="l" rtl="0">
-              <a:spcBef>
-                <a:spcPts val="0"/>
-              </a:spcBef>
-              <a:spcAft>
-                <a:spcPts val="0"/>
-              </a:spcAft>
-              <a:buClr>
-                <a:srgbClr val="0D0D0D"/>
-              </a:buClr>
-              <a:buSzPts val="1500"/>
-              <a:buNone/>
-            </a:pPr>
-            <a:r>
-              <a:rPr lang="fr" sz="1500" dirty="0">
-                <a:solidFill>
-                  <a:srgbClr val="0D0D0D"/>
-                </a:solidFill>
-                <a:highlight>
-                  <a:srgbClr val="FFFFFF"/>
-                </a:highlight>
-                <a:latin typeface="Montserrat"/>
-                <a:ea typeface="Montserrat"/>
-                <a:cs typeface="Montserrat"/>
-                <a:sym typeface="Montserrat"/>
-              </a:rPr>
-              <a:t>Pour le projet Menu Maker, l’utilisation de ces méthodes de gestion de projet va permettre de bien maitriser l’intégralité des tâches à réaliser, en les listant, en quantifiant le temps de réalisation, et en testant chaque fonctionnalité avant le test de l’ensemble du projet. Chaque tâche est réalisé comme un projet.</a:t>
-            </a:r>
-          </a:p>
-          <a:p>
-            <a:pPr marL="133350" lvl="0" indent="0" algn="l" rtl="0">
-              <a:spcBef>
-                <a:spcPts val="0"/>
-              </a:spcBef>
-              <a:spcAft>
-                <a:spcPts val="0"/>
-              </a:spcAft>
-              <a:buClr>
-                <a:srgbClr val="0D0D0D"/>
-              </a:buClr>
-              <a:buSzPts val="1500"/>
-              <a:buNone/>
-            </a:pPr>
-            <a:endParaRPr lang="fr" sz="1500" dirty="0">
-              <a:solidFill>
-                <a:srgbClr val="0D0D0D"/>
-              </a:solidFill>
-              <a:highlight>
-                <a:srgbClr val="FFFFFF"/>
-              </a:highlight>
-              <a:latin typeface="Montserrat"/>
-              <a:ea typeface="Montserrat"/>
-              <a:cs typeface="Montserrat"/>
-              <a:sym typeface="Montserrat"/>
-            </a:endParaRPr>
-          </a:p>
-          <a:p>
-            <a:pPr marL="419100" indent="-285750">
-              <a:buClr>
-                <a:srgbClr val="0D0D0D"/>
-              </a:buClr>
-              <a:buSzPts val="1500"/>
             </a:pPr>
             <a:r>
               <a:rPr lang="fr" sz="1500" dirty="0">
@@ -10140,6 +10503,11 @@
         </p:spPr>
       </p:pic>
     </p:spTree>
+    <p:extLst>
+      <p:ext uri="{BB962C8B-B14F-4D97-AF65-F5344CB8AC3E}">
+        <p14:creationId xmlns:p14="http://schemas.microsoft.com/office/powerpoint/2010/main" val="3827414241"/>
+      </p:ext>
+    </p:extLst>
   </p:cSld>
   <p:clrMapOvr>
     <a:masterClrMapping/>
@@ -10148,6 +10516,565 @@
 </file>
 
 <file path=ppt/slides/slide6.xml><?xml version="1.0" encoding="utf-8"?>
+<p:sld xmlns:a="http://schemas.openxmlformats.org/drawingml/2006/main" xmlns:r="http://schemas.openxmlformats.org/officeDocument/2006/relationships" xmlns:p="http://schemas.openxmlformats.org/presentationml/2006/main">
+  <p:cSld>
+    <p:spTree>
+      <p:nvGrpSpPr>
+        <p:cNvPr id="1" name="Shape 83"/>
+        <p:cNvGrpSpPr/>
+        <p:nvPr/>
+      </p:nvGrpSpPr>
+      <p:grpSpPr>
+        <a:xfrm>
+          <a:off x="0" y="0"/>
+          <a:ext cx="0" cy="0"/>
+          <a:chOff x="0" y="0"/>
+          <a:chExt cx="0" cy="0"/>
+        </a:xfrm>
+      </p:grpSpPr>
+      <p:sp>
+        <p:nvSpPr>
+          <p:cNvPr id="84" name="Google Shape;84;p17"/>
+          <p:cNvSpPr txBox="1">
+            <a:spLocks noGrp="1"/>
+          </p:cNvSpPr>
+          <p:nvPr>
+            <p:ph type="title"/>
+          </p:nvPr>
+        </p:nvSpPr>
+        <p:spPr>
+          <a:xfrm>
+            <a:off x="311700" y="445025"/>
+            <a:ext cx="8520600" cy="572700"/>
+          </a:xfrm>
+          <a:prstGeom prst="rect">
+            <a:avLst/>
+          </a:prstGeom>
+        </p:spPr>
+        <p:txBody>
+          <a:bodyPr spcFirstLastPara="1" wrap="square" lIns="91425" tIns="91425" rIns="91425" bIns="91425" anchor="t" anchorCtr="0">
+            <a:noAutofit/>
+          </a:bodyPr>
+          <a:lstStyle/>
+          <a:p>
+            <a:pPr marL="0" lvl="0" indent="0" algn="ctr" rtl="0">
+              <a:lnSpc>
+                <a:spcPct val="115000"/>
+              </a:lnSpc>
+              <a:spcBef>
+                <a:spcPts val="0"/>
+              </a:spcBef>
+              <a:spcAft>
+                <a:spcPts val="1200"/>
+              </a:spcAft>
+              <a:buNone/>
+            </a:pPr>
+            <a:r>
+              <a:rPr lang="fr" sz="2400" dirty="0">
+                <a:latin typeface="Montserrat"/>
+                <a:ea typeface="Montserrat"/>
+                <a:cs typeface="Montserrat"/>
+                <a:sym typeface="Montserrat"/>
+              </a:rPr>
+              <a:t>Méthodologie Scrum</a:t>
+            </a:r>
+            <a:endParaRPr sz="2400" dirty="0">
+              <a:latin typeface="Montserrat"/>
+              <a:ea typeface="Montserrat"/>
+              <a:cs typeface="Montserrat"/>
+              <a:sym typeface="Montserrat"/>
+            </a:endParaRPr>
+          </a:p>
+        </p:txBody>
+      </p:sp>
+      <p:sp>
+        <p:nvSpPr>
+          <p:cNvPr id="85" name="Google Shape;85;p17"/>
+          <p:cNvSpPr txBox="1">
+            <a:spLocks noGrp="1"/>
+          </p:cNvSpPr>
+          <p:nvPr>
+            <p:ph type="body" idx="1"/>
+          </p:nvPr>
+        </p:nvSpPr>
+        <p:spPr>
+          <a:xfrm>
+            <a:off x="311700" y="953095"/>
+            <a:ext cx="8520600" cy="3811410"/>
+          </a:xfrm>
+          <a:prstGeom prst="rect">
+            <a:avLst/>
+          </a:prstGeom>
+        </p:spPr>
+        <p:txBody>
+          <a:bodyPr spcFirstLastPara="1" wrap="square" lIns="91425" tIns="91425" rIns="91425" bIns="91425" anchor="t" anchorCtr="0">
+            <a:normAutofit/>
+          </a:bodyPr>
+          <a:lstStyle/>
+          <a:p>
+            <a:pPr marL="133350" lvl="0" indent="0" algn="l" rtl="0">
+              <a:spcBef>
+                <a:spcPts val="0"/>
+              </a:spcBef>
+              <a:spcAft>
+                <a:spcPts val="0"/>
+              </a:spcAft>
+              <a:buClr>
+                <a:srgbClr val="0D0D0D"/>
+              </a:buClr>
+              <a:buSzPts val="1500"/>
+              <a:buNone/>
+            </a:pPr>
+            <a:endParaRPr dirty="0">
+              <a:latin typeface="Montserrat"/>
+              <a:ea typeface="Montserrat"/>
+              <a:cs typeface="Montserrat"/>
+              <a:sym typeface="Montserrat"/>
+            </a:endParaRPr>
+          </a:p>
+          <a:p>
+            <a:pPr marL="0" lvl="0" indent="0" algn="l" rtl="0">
+              <a:spcBef>
+                <a:spcPts val="1200"/>
+              </a:spcBef>
+              <a:spcAft>
+                <a:spcPts val="0"/>
+              </a:spcAft>
+              <a:buNone/>
+            </a:pPr>
+            <a:endParaRPr dirty="0">
+              <a:latin typeface="Montserrat"/>
+              <a:ea typeface="Montserrat"/>
+              <a:cs typeface="Montserrat"/>
+              <a:sym typeface="Montserrat"/>
+            </a:endParaRPr>
+          </a:p>
+          <a:p>
+            <a:pPr marL="457200" lvl="0" indent="0" algn="l" rtl="0">
+              <a:spcBef>
+                <a:spcPts val="1200"/>
+              </a:spcBef>
+              <a:spcAft>
+                <a:spcPts val="1200"/>
+              </a:spcAft>
+              <a:buNone/>
+            </a:pPr>
+            <a:endParaRPr dirty="0">
+              <a:latin typeface="Montserrat"/>
+              <a:ea typeface="Montserrat"/>
+              <a:cs typeface="Montserrat"/>
+              <a:sym typeface="Montserrat"/>
+            </a:endParaRPr>
+          </a:p>
+        </p:txBody>
+      </p:sp>
+      <p:sp>
+        <p:nvSpPr>
+          <p:cNvPr id="86" name="Google Shape;86;p17"/>
+          <p:cNvSpPr/>
+          <p:nvPr/>
+        </p:nvSpPr>
+        <p:spPr>
+          <a:xfrm>
+            <a:off x="-4800" y="0"/>
+            <a:ext cx="9153600" cy="239700"/>
+          </a:xfrm>
+          <a:prstGeom prst="rect">
+            <a:avLst/>
+          </a:prstGeom>
+          <a:solidFill>
+            <a:srgbClr val="FCE5CD"/>
+          </a:solidFill>
+          <a:ln w="9525" cap="flat" cmpd="sng">
+            <a:solidFill>
+              <a:srgbClr val="F7EDDE"/>
+            </a:solidFill>
+            <a:prstDash val="solid"/>
+            <a:round/>
+            <a:headEnd type="none" w="sm" len="sm"/>
+            <a:tailEnd type="none" w="sm" len="sm"/>
+          </a:ln>
+        </p:spPr>
+        <p:txBody>
+          <a:bodyPr spcFirstLastPara="1" wrap="square" lIns="91425" tIns="91425" rIns="91425" bIns="91425" anchor="ctr" anchorCtr="0">
+            <a:noAutofit/>
+          </a:bodyPr>
+          <a:lstStyle/>
+          <a:p>
+            <a:pPr marL="0" lvl="0" indent="0" algn="ctr" rtl="0">
+              <a:spcBef>
+                <a:spcPts val="0"/>
+              </a:spcBef>
+              <a:spcAft>
+                <a:spcPts val="0"/>
+              </a:spcAft>
+              <a:buNone/>
+            </a:pPr>
+            <a:endParaRPr/>
+          </a:p>
+        </p:txBody>
+      </p:sp>
+      <p:pic>
+        <p:nvPicPr>
+          <p:cNvPr id="87" name="Google Shape;87;p17"/>
+          <p:cNvPicPr preferRelativeResize="0"/>
+          <p:nvPr/>
+        </p:nvPicPr>
+        <p:blipFill>
+          <a:blip r:embed="rId3">
+            <a:alphaModFix/>
+          </a:blip>
+          <a:stretch>
+            <a:fillRect/>
+          </a:stretch>
+        </p:blipFill>
+        <p:spPr>
+          <a:xfrm>
+            <a:off x="8469575" y="-4"/>
+            <a:ext cx="674425" cy="340550"/>
+          </a:xfrm>
+          <a:prstGeom prst="rect">
+            <a:avLst/>
+          </a:prstGeom>
+          <a:noFill/>
+          <a:ln>
+            <a:noFill/>
+          </a:ln>
+        </p:spPr>
+      </p:pic>
+      <p:sp>
+        <p:nvSpPr>
+          <p:cNvPr id="4" name="ZoneTexte 3">
+            <a:extLst>
+              <a:ext uri="{FF2B5EF4-FFF2-40B4-BE49-F238E27FC236}">
+                <a16:creationId xmlns:a16="http://schemas.microsoft.com/office/drawing/2014/main" id="{130473F0-FFE3-DCAD-E591-DF2D5C747D22}"/>
+              </a:ext>
+            </a:extLst>
+          </p:cNvPr>
+          <p:cNvSpPr txBox="1"/>
+          <p:nvPr/>
+        </p:nvSpPr>
+        <p:spPr>
+          <a:xfrm>
+            <a:off x="380123" y="1017725"/>
+            <a:ext cx="8426664" cy="2677656"/>
+          </a:xfrm>
+          <a:prstGeom prst="rect">
+            <a:avLst/>
+          </a:prstGeom>
+          <a:noFill/>
+        </p:spPr>
+        <p:txBody>
+          <a:bodyPr wrap="square">
+            <a:spAutoFit/>
+          </a:bodyPr>
+          <a:lstStyle/>
+          <a:p>
+            <a:pPr algn="l"/>
+            <a:r>
+              <a:rPr lang="fr-FR" sz="1400" b="1" i="0" dirty="0">
+                <a:solidFill>
+                  <a:srgbClr val="111111"/>
+                </a:solidFill>
+                <a:effectLst/>
+                <a:highlight>
+                  <a:srgbClr val="F3F3F3"/>
+                </a:highlight>
+                <a:latin typeface="+mj-lt"/>
+              </a:rPr>
+              <a:t>Méthode Scrum</a:t>
+            </a:r>
+          </a:p>
+          <a:p>
+            <a:pPr algn="l"/>
+            <a:r>
+              <a:rPr lang="fr-FR" sz="1400" b="0" i="0" dirty="0">
+                <a:solidFill>
+                  <a:srgbClr val="111111"/>
+                </a:solidFill>
+                <a:effectLst/>
+                <a:highlight>
+                  <a:srgbClr val="F3F3F3"/>
+                </a:highlight>
+                <a:latin typeface="+mj-lt"/>
+              </a:rPr>
+              <a:t>Scrum est une des méthodes Agile les plus populaires. C’est un cadre de travail qui aide les équipes à travailler ensemble de manière plus efficace. </a:t>
+            </a:r>
+          </a:p>
+          <a:p>
+            <a:pPr algn="l">
+              <a:buFont typeface="Arial" panose="020B0604020202020204" pitchFamily="34" charset="0"/>
+              <a:buChar char="•"/>
+            </a:pPr>
+            <a:r>
+              <a:rPr lang="fr-FR" sz="1400" b="1" i="0" dirty="0">
+                <a:solidFill>
+                  <a:srgbClr val="111111"/>
+                </a:solidFill>
+                <a:effectLst/>
+                <a:highlight>
+                  <a:srgbClr val="F3F3F3"/>
+                </a:highlight>
+                <a:latin typeface="+mj-lt"/>
+              </a:rPr>
+              <a:t>Rôles définis</a:t>
+            </a:r>
+            <a:r>
+              <a:rPr lang="fr-FR" sz="1400" b="0" i="0" dirty="0">
+                <a:solidFill>
+                  <a:srgbClr val="111111"/>
+                </a:solidFill>
+                <a:effectLst/>
+                <a:highlight>
+                  <a:srgbClr val="F3F3F3"/>
+                </a:highlight>
+                <a:latin typeface="+mj-lt"/>
+              </a:rPr>
+              <a:t> : Scrum Master (facilitateur), Product </a:t>
+            </a:r>
+            <a:r>
+              <a:rPr lang="fr-FR" sz="1400" b="0" i="0" dirty="0" err="1">
+                <a:solidFill>
+                  <a:srgbClr val="111111"/>
+                </a:solidFill>
+                <a:effectLst/>
+                <a:highlight>
+                  <a:srgbClr val="F3F3F3"/>
+                </a:highlight>
+                <a:latin typeface="+mj-lt"/>
+              </a:rPr>
+              <a:t>Owner</a:t>
+            </a:r>
+            <a:r>
+              <a:rPr lang="fr-FR" sz="1400" b="0" i="0" dirty="0">
+                <a:solidFill>
+                  <a:srgbClr val="111111"/>
+                </a:solidFill>
+                <a:effectLst/>
+                <a:highlight>
+                  <a:srgbClr val="F3F3F3"/>
+                </a:highlight>
+                <a:latin typeface="+mj-lt"/>
+              </a:rPr>
+              <a:t> (responsable du produit) et l’équipe de développement.</a:t>
+            </a:r>
+          </a:p>
+          <a:p>
+            <a:pPr algn="l">
+              <a:buFont typeface="Arial" panose="020B0604020202020204" pitchFamily="34" charset="0"/>
+              <a:buChar char="•"/>
+            </a:pPr>
+            <a:r>
+              <a:rPr lang="fr-FR" sz="1400" b="1" i="0" dirty="0" err="1">
+                <a:solidFill>
+                  <a:srgbClr val="111111"/>
+                </a:solidFill>
+                <a:effectLst/>
+                <a:highlight>
+                  <a:srgbClr val="F3F3F3"/>
+                </a:highlight>
+                <a:latin typeface="+mj-lt"/>
+              </a:rPr>
+              <a:t>Backlog</a:t>
+            </a:r>
+            <a:r>
+              <a:rPr lang="fr-FR" sz="1400" b="1" i="0" dirty="0">
+                <a:solidFill>
+                  <a:srgbClr val="111111"/>
+                </a:solidFill>
+                <a:effectLst/>
+                <a:highlight>
+                  <a:srgbClr val="F3F3F3"/>
+                </a:highlight>
+                <a:latin typeface="+mj-lt"/>
+              </a:rPr>
+              <a:t> produit</a:t>
+            </a:r>
+            <a:r>
+              <a:rPr lang="fr-FR" sz="1400" b="0" i="0" dirty="0">
+                <a:solidFill>
+                  <a:srgbClr val="111111"/>
+                </a:solidFill>
+                <a:effectLst/>
+                <a:highlight>
+                  <a:srgbClr val="F3F3F3"/>
+                </a:highlight>
+                <a:latin typeface="+mj-lt"/>
+              </a:rPr>
+              <a:t> : Une liste priorisée des fonctionnalités et des tâches à réaliser.</a:t>
+            </a:r>
+          </a:p>
+          <a:p>
+            <a:pPr algn="l">
+              <a:buFont typeface="Arial" panose="020B0604020202020204" pitchFamily="34" charset="0"/>
+              <a:buChar char="•"/>
+            </a:pPr>
+            <a:r>
+              <a:rPr lang="fr-FR" sz="1400" b="1" i="0" dirty="0">
+                <a:solidFill>
+                  <a:srgbClr val="111111"/>
+                </a:solidFill>
+                <a:effectLst/>
+                <a:highlight>
+                  <a:srgbClr val="F3F3F3"/>
+                </a:highlight>
+                <a:latin typeface="+mj-lt"/>
+              </a:rPr>
+              <a:t>Sprints</a:t>
+            </a:r>
+            <a:r>
+              <a:rPr lang="fr-FR" sz="1400" b="0" i="0" dirty="0">
+                <a:solidFill>
+                  <a:srgbClr val="111111"/>
+                </a:solidFill>
+                <a:effectLst/>
+                <a:highlight>
+                  <a:srgbClr val="F3F3F3"/>
+                </a:highlight>
+                <a:latin typeface="+mj-lt"/>
+              </a:rPr>
+              <a:t> : Des cycles de travail courts (généralement de 2 à 4 semaines) au cours desquels une partie du produit est développée.</a:t>
+            </a:r>
+          </a:p>
+          <a:p>
+            <a:pPr algn="l">
+              <a:buFont typeface="Arial" panose="020B0604020202020204" pitchFamily="34" charset="0"/>
+              <a:buChar char="•"/>
+            </a:pPr>
+            <a:r>
+              <a:rPr lang="fr-FR" sz="1400" b="1" i="0" dirty="0">
+                <a:solidFill>
+                  <a:srgbClr val="111111"/>
+                </a:solidFill>
+                <a:effectLst/>
+                <a:highlight>
+                  <a:srgbClr val="F3F3F3"/>
+                </a:highlight>
+                <a:latin typeface="+mj-lt"/>
+              </a:rPr>
+              <a:t>Réunions Scrum</a:t>
+            </a:r>
+            <a:r>
+              <a:rPr lang="fr-FR" sz="1400" b="0" i="0" dirty="0">
+                <a:solidFill>
+                  <a:srgbClr val="111111"/>
+                </a:solidFill>
+                <a:effectLst/>
+                <a:highlight>
+                  <a:srgbClr val="F3F3F3"/>
+                </a:highlight>
+                <a:latin typeface="+mj-lt"/>
+              </a:rPr>
+              <a:t> : Comprennent la planification du sprint, les réunions quotidiennes (</a:t>
+            </a:r>
+            <a:r>
+              <a:rPr lang="fr-FR" sz="1400" b="0" i="0" dirty="0" err="1">
+                <a:solidFill>
+                  <a:srgbClr val="111111"/>
+                </a:solidFill>
+                <a:effectLst/>
+                <a:highlight>
+                  <a:srgbClr val="F3F3F3"/>
+                </a:highlight>
+                <a:latin typeface="+mj-lt"/>
+              </a:rPr>
+              <a:t>daily</a:t>
+            </a:r>
+            <a:r>
+              <a:rPr lang="fr-FR" sz="1400" b="0" i="0" dirty="0">
+                <a:solidFill>
+                  <a:srgbClr val="111111"/>
+                </a:solidFill>
+                <a:effectLst/>
+                <a:highlight>
+                  <a:srgbClr val="F3F3F3"/>
+                </a:highlight>
+                <a:latin typeface="+mj-lt"/>
+              </a:rPr>
+              <a:t> stand-ups), la revue de sprint et la rétrospective de sprint.</a:t>
+            </a:r>
+          </a:p>
+          <a:p>
+            <a:pPr algn="l"/>
+            <a:r>
+              <a:rPr lang="fr-FR" sz="1400" b="0" i="0" dirty="0">
+                <a:solidFill>
+                  <a:srgbClr val="111111"/>
+                </a:solidFill>
+                <a:effectLst/>
+                <a:highlight>
+                  <a:srgbClr val="F3F3F3"/>
+                </a:highlight>
+                <a:latin typeface="+mj-lt"/>
+              </a:rPr>
+              <a:t>Ces méthodes permettent de gérer les projets de manière plus flexible et réactive, en mettant l’accent sur la satisfaction du client et l’amélioration continue.</a:t>
+            </a:r>
+          </a:p>
+        </p:txBody>
+      </p:sp>
+      <p:sp>
+        <p:nvSpPr>
+          <p:cNvPr id="6" name="ZoneTexte 5">
+            <a:extLst>
+              <a:ext uri="{FF2B5EF4-FFF2-40B4-BE49-F238E27FC236}">
+                <a16:creationId xmlns:a16="http://schemas.microsoft.com/office/drawing/2014/main" id="{257EAD3F-B5D6-DB1A-5757-522902B1C741}"/>
+              </a:ext>
+            </a:extLst>
+          </p:cNvPr>
+          <p:cNvSpPr txBox="1"/>
+          <p:nvPr/>
+        </p:nvSpPr>
+        <p:spPr>
+          <a:xfrm>
+            <a:off x="364385" y="4190405"/>
+            <a:ext cx="8779615" cy="738664"/>
+          </a:xfrm>
+          <a:prstGeom prst="rect">
+            <a:avLst/>
+          </a:prstGeom>
+          <a:noFill/>
+        </p:spPr>
+        <p:txBody>
+          <a:bodyPr wrap="square" rtlCol="0">
+            <a:spAutoFit/>
+          </a:bodyPr>
+          <a:lstStyle/>
+          <a:p>
+            <a:r>
+              <a:rPr lang="fr" dirty="0">
+                <a:solidFill>
+                  <a:srgbClr val="0D0D0D"/>
+                </a:solidFill>
+                <a:highlight>
+                  <a:srgbClr val="FFFFFF"/>
+                </a:highlight>
+                <a:latin typeface="Montserrat"/>
+                <a:ea typeface="Montserrat"/>
+                <a:cs typeface="Montserrat"/>
+                <a:sym typeface="Montserrat"/>
+              </a:rPr>
+              <a:t>Utilisation de GIT pour la construction du projet et pour le partage des travaux entre les membres de l’équipe pour la gestion de versions. </a:t>
+            </a:r>
+          </a:p>
+          <a:p>
+            <a:endParaRPr lang="fr-FR" dirty="0"/>
+          </a:p>
+        </p:txBody>
+      </p:sp>
+    </p:spTree>
+    <p:extLst>
+      <p:ext uri="{BB962C8B-B14F-4D97-AF65-F5344CB8AC3E}">
+        <p14:creationId xmlns:p14="http://schemas.microsoft.com/office/powerpoint/2010/main" val="1475346571"/>
+      </p:ext>
+    </p:extLst>
+  </p:cSld>
+  <p:clrMapOvr>
+    <a:masterClrMapping/>
+  </p:clrMapOvr>
+</p:sld>
+</file>
+
+<file path=ppt/slides/slide7.xml><?xml version="1.0" encoding="utf-8"?>
 <p:sld xmlns:a="http://schemas.openxmlformats.org/drawingml/2006/main" xmlns:r="http://schemas.openxmlformats.org/officeDocument/2006/relationships" xmlns:p="http://schemas.openxmlformats.org/presentationml/2006/main">
   <p:cSld>
     <p:spTree>
@@ -10183,12 +11110,13 @@
         <p:spPr/>
         <p:txBody>
           <a:bodyPr>
-            <a:normAutofit fontScale="90000"/>
+            <a:normAutofit/>
           </a:bodyPr>
           <a:lstStyle/>
           <a:p>
+            <a:pPr algn="ctr"/>
             <a:r>
-              <a:rPr lang="fr" sz="2800" dirty="0">
+              <a:rPr lang="fr" sz="2400" dirty="0">
                 <a:latin typeface="Montserrat"/>
                 <a:ea typeface="Montserrat"/>
                 <a:cs typeface="Montserrat"/>
@@ -10196,7 +11124,7 @@
               </a:rPr>
               <a:t>Suivi du projet avec le Kanban</a:t>
             </a:r>
-            <a:endParaRPr lang="fr-FR" dirty="0"/>
+            <a:endParaRPr lang="fr-FR" sz="2400" dirty="0"/>
           </a:p>
         </p:txBody>
       </p:sp>
@@ -10225,66 +11153,6 @@
           </a:p>
         </p:txBody>
       </p:sp>
-      <p:pic>
-        <p:nvPicPr>
-          <p:cNvPr id="5" name="Image 4">
-            <a:extLst>
-              <a:ext uri="{FF2B5EF4-FFF2-40B4-BE49-F238E27FC236}">
-                <a16:creationId xmlns:a16="http://schemas.microsoft.com/office/drawing/2014/main" id="{8B23B7B7-A643-1B7D-048A-39A1FDBF666E}"/>
-              </a:ext>
-            </a:extLst>
-          </p:cNvPr>
-          <p:cNvPicPr>
-            <a:picLocks noChangeAspect="1"/>
-          </p:cNvPicPr>
-          <p:nvPr/>
-        </p:nvPicPr>
-        <p:blipFill>
-          <a:blip r:embed="rId2"/>
-          <a:stretch>
-            <a:fillRect/>
-          </a:stretch>
-        </p:blipFill>
-        <p:spPr>
-          <a:xfrm>
-            <a:off x="55002" y="1152475"/>
-            <a:ext cx="6435612" cy="3586537"/>
-          </a:xfrm>
-          <a:prstGeom prst="rect">
-            <a:avLst/>
-          </a:prstGeom>
-        </p:spPr>
-      </p:pic>
-      <p:pic>
-        <p:nvPicPr>
-          <p:cNvPr id="7" name="Image 6">
-            <a:extLst>
-              <a:ext uri="{FF2B5EF4-FFF2-40B4-BE49-F238E27FC236}">
-                <a16:creationId xmlns:a16="http://schemas.microsoft.com/office/drawing/2014/main" id="{F2A6DEC5-2691-D562-35C3-F9FC7589F8AD}"/>
-              </a:ext>
-            </a:extLst>
-          </p:cNvPr>
-          <p:cNvPicPr>
-            <a:picLocks noChangeAspect="1"/>
-          </p:cNvPicPr>
-          <p:nvPr/>
-        </p:nvPicPr>
-        <p:blipFill>
-          <a:blip r:embed="rId3"/>
-          <a:stretch>
-            <a:fillRect/>
-          </a:stretch>
-        </p:blipFill>
-        <p:spPr>
-          <a:xfrm>
-            <a:off x="6307962" y="1152475"/>
-            <a:ext cx="2706990" cy="3097585"/>
-          </a:xfrm>
-          <a:prstGeom prst="rect">
-            <a:avLst/>
-          </a:prstGeom>
-        </p:spPr>
-      </p:pic>
       <p:sp>
         <p:nvSpPr>
           <p:cNvPr id="4" name="Google Shape;86;p17">
@@ -10350,7 +11218,7 @@
           <p:nvPr/>
         </p:nvPicPr>
         <p:blipFill>
-          <a:blip r:embed="rId4">
+          <a:blip r:embed="rId2">
             <a:alphaModFix/>
           </a:blip>
           <a:stretch>
@@ -10369,6 +11237,66 @@
           <a:ln>
             <a:noFill/>
           </a:ln>
+        </p:spPr>
+      </p:pic>
+      <p:pic>
+        <p:nvPicPr>
+          <p:cNvPr id="9" name="Image 8">
+            <a:extLst>
+              <a:ext uri="{FF2B5EF4-FFF2-40B4-BE49-F238E27FC236}">
+                <a16:creationId xmlns:a16="http://schemas.microsoft.com/office/drawing/2014/main" id="{90067BA5-84BB-A25E-8C95-70114BD4D0A5}"/>
+              </a:ext>
+            </a:extLst>
+          </p:cNvPr>
+          <p:cNvPicPr>
+            <a:picLocks noChangeAspect="1"/>
+          </p:cNvPicPr>
+          <p:nvPr/>
+        </p:nvPicPr>
+        <p:blipFill>
+          <a:blip r:embed="rId3"/>
+          <a:stretch>
+            <a:fillRect/>
+          </a:stretch>
+        </p:blipFill>
+        <p:spPr>
+          <a:xfrm>
+            <a:off x="375316" y="1282075"/>
+            <a:ext cx="5932646" cy="3416400"/>
+          </a:xfrm>
+          <a:prstGeom prst="rect">
+            <a:avLst/>
+          </a:prstGeom>
+        </p:spPr>
+      </p:pic>
+      <p:pic>
+        <p:nvPicPr>
+          <p:cNvPr id="13" name="Image 12">
+            <a:extLst>
+              <a:ext uri="{FF2B5EF4-FFF2-40B4-BE49-F238E27FC236}">
+                <a16:creationId xmlns:a16="http://schemas.microsoft.com/office/drawing/2014/main" id="{290A29C4-C90B-047E-7C26-16DAC6D1970A}"/>
+              </a:ext>
+            </a:extLst>
+          </p:cNvPr>
+          <p:cNvPicPr>
+            <a:picLocks noChangeAspect="1"/>
+          </p:cNvPicPr>
+          <p:nvPr/>
+        </p:nvPicPr>
+        <p:blipFill>
+          <a:blip r:embed="rId4"/>
+          <a:stretch>
+            <a:fillRect/>
+          </a:stretch>
+        </p:blipFill>
+        <p:spPr>
+          <a:xfrm>
+            <a:off x="6172722" y="1152475"/>
+            <a:ext cx="2971278" cy="3861425"/>
+          </a:xfrm>
+          <a:prstGeom prst="rect">
+            <a:avLst/>
+          </a:prstGeom>
         </p:spPr>
       </p:pic>
     </p:spTree>
@@ -10384,7 +11312,7 @@
 </p:sld>
 </file>
 
-<file path=ppt/slides/slide7.xml><?xml version="1.0" encoding="utf-8"?>
+<file path=ppt/slides/slide8.xml><?xml version="1.0" encoding="utf-8"?>
 <p:sld xmlns:a="http://schemas.openxmlformats.org/drawingml/2006/main" xmlns:r="http://schemas.openxmlformats.org/officeDocument/2006/relationships" xmlns:p="http://schemas.openxmlformats.org/presentationml/2006/main">
   <p:cSld>
     <p:spTree>
@@ -10422,11 +11350,11 @@
         </p:spPr>
         <p:txBody>
           <a:bodyPr spcFirstLastPara="1" wrap="square" lIns="91425" tIns="91425" rIns="91425" bIns="91425" anchor="t" anchorCtr="0">
-            <a:normAutofit fontScale="90000"/>
+            <a:noAutofit/>
           </a:bodyPr>
           <a:lstStyle/>
           <a:p>
-            <a:pPr marL="0" lvl="0" indent="0" algn="l" rtl="0">
+            <a:pPr marL="0" lvl="0" indent="0" algn="ctr" rtl="0">
               <a:lnSpc>
                 <a:spcPct val="115000"/>
               </a:lnSpc>
@@ -10439,7 +11367,7 @@
               <a:buNone/>
             </a:pPr>
             <a:r>
-              <a:rPr lang="fr" sz="2000" dirty="0">
+              <a:rPr lang="fr" sz="2400" dirty="0">
                 <a:latin typeface="Montserrat"/>
                 <a:ea typeface="Montserrat"/>
                 <a:cs typeface="Montserrat"/>
@@ -10447,7 +11375,7 @@
               </a:rPr>
               <a:t>Suivi du projet avec le Kanban</a:t>
             </a:r>
-            <a:endParaRPr sz="3000" dirty="0">
+            <a:endParaRPr sz="2400" dirty="0">
               <a:latin typeface="Montserrat"/>
               <a:ea typeface="Montserrat"/>
               <a:cs typeface="Montserrat"/>
@@ -10468,8 +11396,8 @@
         </p:nvSpPr>
         <p:spPr>
           <a:xfrm>
-            <a:off x="311700" y="1152475"/>
-            <a:ext cx="8520600" cy="3416400"/>
+            <a:off x="311700" y="1245785"/>
+            <a:ext cx="8520600" cy="3323090"/>
           </a:xfrm>
           <a:prstGeom prst="rect">
             <a:avLst/>
@@ -10541,8 +11469,8 @@
         </p:nvSpPr>
         <p:spPr>
           <a:xfrm>
-            <a:off x="511800" y="510900"/>
-            <a:ext cx="8320500" cy="1821000"/>
+            <a:off x="411750" y="1024600"/>
+            <a:ext cx="8395037" cy="3436295"/>
           </a:xfrm>
           <a:prstGeom prst="rect">
             <a:avLst/>
@@ -10573,18 +11501,21 @@
               </a:buClr>
               <a:buSzPts val="1500"/>
             </a:pPr>
-            <a:endParaRPr sz="1500" dirty="0">
-              <a:solidFill>
-                <a:srgbClr val="0D0D0D"/>
-              </a:solidFill>
-              <a:highlight>
-                <a:srgbClr val="FFFFFF"/>
-              </a:highlight>
-              <a:latin typeface="Montserrat"/>
-              <a:ea typeface="Montserrat"/>
-              <a:cs typeface="Montserrat"/>
-              <a:sym typeface="Montserrat"/>
-            </a:endParaRPr>
+            <a:r>
+              <a:rPr lang="fr-FR" sz="1500" dirty="0">
+                <a:solidFill>
+                  <a:srgbClr val="0D0D0D"/>
+                </a:solidFill>
+                <a:highlight>
+                  <a:srgbClr val="FFFFFF"/>
+                </a:highlight>
+                <a:latin typeface="Montserrat"/>
+                <a:ea typeface="Montserrat"/>
+                <a:cs typeface="Montserrat"/>
+                <a:sym typeface="Montserrat"/>
+              </a:rPr>
+              <a:t>						</a:t>
+            </a:r>
           </a:p>
           <a:p>
             <a:pPr marL="457200" lvl="0" indent="-323850" algn="l" rtl="0">
@@ -10619,9 +11550,39 @@
               </a:rPr>
               <a:t>Explication des User Stories (US), tâches attribuées, etc.</a:t>
             </a:r>
-            <a:endParaRPr sz="1500" dirty="0">
+          </a:p>
+          <a:p>
+            <a:pPr marL="133350" lvl="0" algn="l" rtl="0">
+              <a:lnSpc>
+                <a:spcPct val="150000"/>
+              </a:lnSpc>
+              <a:spcBef>
+                <a:spcPts val="0"/>
+              </a:spcBef>
+              <a:spcAft>
+                <a:spcPts val="0"/>
+              </a:spcAft>
+              <a:buClr>
+                <a:srgbClr val="0D0D0D"/>
+              </a:buClr>
+              <a:buSzPts val="1500"/>
+            </a:pPr>
+            <a:r>
+              <a:rPr lang="fr-FR" b="0" i="0" dirty="0">
+                <a:solidFill>
+                  <a:schemeClr val="tx1"/>
+                </a:solidFill>
+                <a:effectLst/>
+                <a:highlight>
+                  <a:srgbClr val="FFFFFF"/>
+                </a:highlight>
+                <a:latin typeface="Arial" panose="020B0604020202020204" pitchFamily="34" charset="0"/>
+              </a:rPr>
+              <a:t>Un récit utilisateur, ou « user story » en anglais, est une description simple d’un besoin ou d’une attente exprimée par un utilisateur et utilisée dans le domaine du développement de logiciels et de la conception de nouveaux produits pour déterminer les fonctionnalités à développer.</a:t>
+            </a:r>
+            <a:endParaRPr dirty="0">
               <a:solidFill>
-                <a:srgbClr val="0D0D0D"/>
+                <a:schemeClr val="tx1"/>
               </a:solidFill>
               <a:highlight>
                 <a:srgbClr val="FFFFFF"/>
@@ -10665,18 +11626,53 @@
               </a:rPr>
               <a:t>Explication de comment le tableau facilite le suivi et la coordination de l'équipe.</a:t>
             </a:r>
-            <a:endParaRPr sz="1500" dirty="0">
-              <a:solidFill>
+          </a:p>
+          <a:p>
+            <a:pPr marL="133350" lvl="0" algn="l" rtl="0">
+              <a:lnSpc>
+                <a:spcPct val="150000"/>
+              </a:lnSpc>
+              <a:spcBef>
+                <a:spcPts val="0"/>
+              </a:spcBef>
+              <a:spcAft>
+                <a:spcPts val="0"/>
+              </a:spcAft>
+              <a:buClr>
                 <a:srgbClr val="0D0D0D"/>
-              </a:solidFill>
-              <a:highlight>
-                <a:srgbClr val="FFFFFF"/>
-              </a:highlight>
-              <a:latin typeface="Montserrat"/>
-              <a:ea typeface="Montserrat"/>
-              <a:cs typeface="Montserrat"/>
-              <a:sym typeface="Montserrat"/>
-            </a:endParaRPr>
+              </a:buClr>
+              <a:buSzPts val="1500"/>
+            </a:pPr>
+            <a:r>
+              <a:rPr lang="fr-FR" dirty="0">
+                <a:solidFill>
+                  <a:srgbClr val="0D0D0D"/>
+                </a:solidFill>
+                <a:highlight>
+                  <a:srgbClr val="FFFFFF"/>
+                </a:highlight>
+                <a:latin typeface="+mj-lt"/>
+                <a:ea typeface="Montserrat"/>
+                <a:cs typeface="Montserrat"/>
+                <a:sym typeface="Montserrat"/>
+              </a:rPr>
+              <a:t>L</a:t>
+            </a:r>
+            <a:r>
+              <a:rPr lang="fr" dirty="0">
+                <a:solidFill>
+                  <a:srgbClr val="0D0D0D"/>
+                </a:solidFill>
+                <a:highlight>
+                  <a:srgbClr val="FFFFFF"/>
+                </a:highlight>
+                <a:latin typeface="+mj-lt"/>
+                <a:ea typeface="Montserrat"/>
+                <a:cs typeface="Montserrat"/>
+                <a:sym typeface="Montserrat"/>
+              </a:rPr>
+              <a:t>e tableau est scindé en quatre catégories permettant un visuel rapide des sujets a traiter en cours, a tester, et terminé.</a:t>
+            </a:r>
           </a:p>
           <a:p>
             <a:pPr marL="0" lvl="0" indent="0" algn="l" rtl="0">
@@ -10724,7 +11720,7 @@
                 <a:cs typeface="Montserrat"/>
                 <a:sym typeface="Montserrat"/>
               </a:rPr>
-              <a:t>Lien public du tableau:</a:t>
+              <a:t>Lien public du tableau NOTION</a:t>
             </a:r>
             <a:endParaRPr dirty="0">
               <a:latin typeface="Montserrat"/>
@@ -10823,7 +11819,7 @@
         </p:nvSpPr>
         <p:spPr>
           <a:xfrm>
-            <a:off x="311700" y="2435393"/>
+            <a:off x="411750" y="4168380"/>
             <a:ext cx="8520600" cy="523220"/>
           </a:xfrm>
           <a:prstGeom prst="rect">
@@ -10855,7 +11851,7 @@
 </p:sld>
 </file>
 
-<file path=ppt/slides/slide8.xml><?xml version="1.0" encoding="utf-8"?>
+<file path=ppt/slides/slide9.xml><?xml version="1.0" encoding="utf-8"?>
 <p:sld xmlns:a="http://schemas.openxmlformats.org/drawingml/2006/main" xmlns:r="http://schemas.openxmlformats.org/officeDocument/2006/relationships" xmlns:p="http://schemas.openxmlformats.org/presentationml/2006/main">
   <p:cSld>
     <p:spTree>
@@ -11197,10 +12193,10 @@
       </p:pic>
       <p:pic>
         <p:nvPicPr>
-          <p:cNvPr id="5" name="Image 4">
+          <p:cNvPr id="6" name="Image 5">
             <a:extLst>
               <a:ext uri="{FF2B5EF4-FFF2-40B4-BE49-F238E27FC236}">
-                <a16:creationId xmlns:a16="http://schemas.microsoft.com/office/drawing/2014/main" id="{4200B1F0-DD3D-8D1D-CC1D-6381ECEDEEB1}"/>
+                <a16:creationId xmlns:a16="http://schemas.microsoft.com/office/drawing/2014/main" id="{E7D4D090-51D4-A2F7-BD00-2E79678C7494}"/>
               </a:ext>
             </a:extLst>
           </p:cNvPr>
@@ -11217,8 +12213,8 @@
         </p:blipFill>
         <p:spPr>
           <a:xfrm>
-            <a:off x="929939" y="895950"/>
-            <a:ext cx="7284122" cy="4247550"/>
+            <a:off x="1086174" y="1017725"/>
+            <a:ext cx="6827168" cy="3898821"/>
           </a:xfrm>
           <a:prstGeom prst="rect">
             <a:avLst/>
@@ -11226,224 +12222,6 @@
         </p:spPr>
       </p:pic>
     </p:spTree>
-  </p:cSld>
-  <p:clrMapOvr>
-    <a:masterClrMapping/>
-  </p:clrMapOvr>
-</p:sld>
-</file>
-
-<file path=ppt/slides/slide9.xml><?xml version="1.0" encoding="utf-8"?>
-<p:sld xmlns:a="http://schemas.openxmlformats.org/drawingml/2006/main" xmlns:r="http://schemas.openxmlformats.org/officeDocument/2006/relationships" xmlns:p="http://schemas.openxmlformats.org/presentationml/2006/main">
-  <p:cSld>
-    <p:spTree>
-      <p:nvGrpSpPr>
-        <p:cNvPr id="1" name=""/>
-        <p:cNvGrpSpPr/>
-        <p:nvPr/>
-      </p:nvGrpSpPr>
-      <p:grpSpPr>
-        <a:xfrm>
-          <a:off x="0" y="0"/>
-          <a:ext cx="0" cy="0"/>
-          <a:chOff x="0" y="0"/>
-          <a:chExt cx="0" cy="0"/>
-        </a:xfrm>
-      </p:grpSpPr>
-      <p:sp>
-        <p:nvSpPr>
-          <p:cNvPr id="2" name="Titre 1">
-            <a:extLst>
-              <a:ext uri="{FF2B5EF4-FFF2-40B4-BE49-F238E27FC236}">
-                <a16:creationId xmlns:a16="http://schemas.microsoft.com/office/drawing/2014/main" id="{7EBC29C8-2DE7-0C2D-53B2-EA759C308D29}"/>
-              </a:ext>
-            </a:extLst>
-          </p:cNvPr>
-          <p:cNvSpPr>
-            <a:spLocks noGrp="1"/>
-          </p:cNvSpPr>
-          <p:nvPr>
-            <p:ph type="title"/>
-          </p:nvPr>
-        </p:nvSpPr>
-        <p:spPr>
-          <a:xfrm>
-            <a:off x="472334" y="273112"/>
-            <a:ext cx="8520600" cy="572700"/>
-          </a:xfrm>
-        </p:spPr>
-        <p:txBody>
-          <a:bodyPr>
-            <a:normAutofit fontScale="90000"/>
-          </a:bodyPr>
-          <a:lstStyle/>
-          <a:p>
-            <a:pPr algn="ctr"/>
-            <a:r>
-              <a:rPr lang="fr-FR" dirty="0">
-                <a:latin typeface="Montserrat" panose="00000500000000000000" pitchFamily="2" charset="0"/>
-              </a:rPr>
-              <a:t>Détail d’une spécification technique</a:t>
-            </a:r>
-          </a:p>
-        </p:txBody>
-      </p:sp>
-      <p:sp>
-        <p:nvSpPr>
-          <p:cNvPr id="3" name="Espace réservé du texte 2">
-            <a:extLst>
-              <a:ext uri="{FF2B5EF4-FFF2-40B4-BE49-F238E27FC236}">
-                <a16:creationId xmlns:a16="http://schemas.microsoft.com/office/drawing/2014/main" id="{A47F6B56-E135-4628-A843-0E306111F1A1}"/>
-              </a:ext>
-            </a:extLst>
-          </p:cNvPr>
-          <p:cNvSpPr>
-            <a:spLocks noGrp="1"/>
-          </p:cNvSpPr>
-          <p:nvPr>
-            <p:ph type="body" idx="1"/>
-          </p:nvPr>
-        </p:nvSpPr>
-        <p:spPr/>
-        <p:txBody>
-          <a:bodyPr/>
-          <a:lstStyle/>
-          <a:p>
-            <a:r>
-              <a:rPr lang="fr-FR" dirty="0"/>
-              <a:t>Authentification</a:t>
-            </a:r>
-          </a:p>
-          <a:p>
-            <a:endParaRPr lang="fr-FR" dirty="0"/>
-          </a:p>
-          <a:p>
-            <a:endParaRPr lang="fr-FR" dirty="0"/>
-          </a:p>
-        </p:txBody>
-      </p:sp>
-      <p:sp>
-        <p:nvSpPr>
-          <p:cNvPr id="4" name="Google Shape;105;p19">
-            <a:extLst>
-              <a:ext uri="{FF2B5EF4-FFF2-40B4-BE49-F238E27FC236}">
-                <a16:creationId xmlns:a16="http://schemas.microsoft.com/office/drawing/2014/main" id="{8CD1880D-4341-23E5-6F74-C878C2B037FB}"/>
-              </a:ext>
-            </a:extLst>
-          </p:cNvPr>
-          <p:cNvSpPr/>
-          <p:nvPr/>
-        </p:nvSpPr>
-        <p:spPr>
-          <a:xfrm>
-            <a:off x="-4800" y="0"/>
-            <a:ext cx="9153600" cy="239700"/>
-          </a:xfrm>
-          <a:prstGeom prst="rect">
-            <a:avLst/>
-          </a:prstGeom>
-          <a:solidFill>
-            <a:srgbClr val="FCE5CD"/>
-          </a:solidFill>
-          <a:ln w="9525" cap="flat" cmpd="sng">
-            <a:solidFill>
-              <a:srgbClr val="F7EDDE"/>
-            </a:solidFill>
-            <a:prstDash val="solid"/>
-            <a:round/>
-            <a:headEnd type="none" w="sm" len="sm"/>
-            <a:tailEnd type="none" w="sm" len="sm"/>
-          </a:ln>
-        </p:spPr>
-        <p:txBody>
-          <a:bodyPr spcFirstLastPara="1" wrap="square" lIns="91425" tIns="91425" rIns="91425" bIns="91425" anchor="ctr" anchorCtr="0">
-            <a:noAutofit/>
-          </a:bodyPr>
-          <a:lstStyle/>
-          <a:p>
-            <a:pPr marL="0" lvl="0" indent="0" algn="ctr" rtl="0">
-              <a:spcBef>
-                <a:spcPts val="0"/>
-              </a:spcBef>
-              <a:spcAft>
-                <a:spcPts val="0"/>
-              </a:spcAft>
-              <a:buNone/>
-            </a:pPr>
-            <a:endParaRPr/>
-          </a:p>
-        </p:txBody>
-      </p:sp>
-      <p:pic>
-        <p:nvPicPr>
-          <p:cNvPr id="6" name="Google Shape;106;p19">
-            <a:extLst>
-              <a:ext uri="{FF2B5EF4-FFF2-40B4-BE49-F238E27FC236}">
-                <a16:creationId xmlns:a16="http://schemas.microsoft.com/office/drawing/2014/main" id="{0E94BA5A-D16E-E8A8-7296-FEE212932E1C}"/>
-              </a:ext>
-            </a:extLst>
-          </p:cNvPr>
-          <p:cNvPicPr preferRelativeResize="0"/>
-          <p:nvPr/>
-        </p:nvPicPr>
-        <p:blipFill>
-          <a:blip r:embed="rId2">
-            <a:alphaModFix/>
-          </a:blip>
-          <a:stretch>
-            <a:fillRect/>
-          </a:stretch>
-        </p:blipFill>
-        <p:spPr>
-          <a:xfrm>
-            <a:off x="8469575" y="-4"/>
-            <a:ext cx="674425" cy="340550"/>
-          </a:xfrm>
-          <a:prstGeom prst="rect">
-            <a:avLst/>
-          </a:prstGeom>
-          <a:noFill/>
-          <a:ln>
-            <a:noFill/>
-          </a:ln>
-        </p:spPr>
-      </p:pic>
-      <p:pic>
-        <p:nvPicPr>
-          <p:cNvPr id="10" name="Image 9">
-            <a:extLst>
-              <a:ext uri="{FF2B5EF4-FFF2-40B4-BE49-F238E27FC236}">
-                <a16:creationId xmlns:a16="http://schemas.microsoft.com/office/drawing/2014/main" id="{006EDD77-F82E-6BA1-4F12-AB9AB3ED0046}"/>
-              </a:ext>
-            </a:extLst>
-          </p:cNvPr>
-          <p:cNvPicPr>
-            <a:picLocks noChangeAspect="1"/>
-          </p:cNvPicPr>
-          <p:nvPr/>
-        </p:nvPicPr>
-        <p:blipFill>
-          <a:blip r:embed="rId3"/>
-          <a:stretch>
-            <a:fillRect/>
-          </a:stretch>
-        </p:blipFill>
-        <p:spPr>
-          <a:xfrm>
-            <a:off x="919595" y="1973179"/>
-            <a:ext cx="7304810" cy="2787776"/>
-          </a:xfrm>
-          <a:prstGeom prst="rect">
-            <a:avLst/>
-          </a:prstGeom>
-        </p:spPr>
-      </p:pic>
-    </p:spTree>
-    <p:extLst>
-      <p:ext uri="{BB962C8B-B14F-4D97-AF65-F5344CB8AC3E}">
-        <p14:creationId xmlns:p14="http://schemas.microsoft.com/office/powerpoint/2010/main" val="4032126074"/>
-      </p:ext>
-    </p:extLst>
   </p:cSld>
   <p:clrMapOvr>
     <a:masterClrMapping/>

--- a/Présentation+Soufiane.pptx
+++ b/Présentation+Soufiane.pptx
@@ -11819,7 +11819,7 @@
         </p:nvSpPr>
         <p:spPr>
           <a:xfrm>
-            <a:off x="411750" y="4168380"/>
+            <a:off x="411750" y="4307265"/>
             <a:ext cx="8520600" cy="523220"/>
           </a:xfrm>
           <a:prstGeom prst="rect">

--- a/Présentation+Soufiane.pptx
+++ b/Présentation+Soufiane.pptx
@@ -11241,10 +11241,10 @@
       </p:pic>
       <p:pic>
         <p:nvPicPr>
-          <p:cNvPr id="9" name="Image 8">
+          <p:cNvPr id="7" name="Image 6">
             <a:extLst>
               <a:ext uri="{FF2B5EF4-FFF2-40B4-BE49-F238E27FC236}">
-                <a16:creationId xmlns:a16="http://schemas.microsoft.com/office/drawing/2014/main" id="{90067BA5-84BB-A25E-8C95-70114BD4D0A5}"/>
+                <a16:creationId xmlns:a16="http://schemas.microsoft.com/office/drawing/2014/main" id="{28339DD2-154B-A3DB-55BF-81C9D09DEC44}"/>
               </a:ext>
             </a:extLst>
           </p:cNvPr>
@@ -11261,8 +11261,8 @@
         </p:blipFill>
         <p:spPr>
           <a:xfrm>
-            <a:off x="375316" y="1282075"/>
-            <a:ext cx="5932646" cy="3416400"/>
+            <a:off x="6035003" y="1193792"/>
+            <a:ext cx="2797297" cy="3333765"/>
           </a:xfrm>
           <a:prstGeom prst="rect">
             <a:avLst/>
@@ -11271,10 +11271,10 @@
       </p:pic>
       <p:pic>
         <p:nvPicPr>
-          <p:cNvPr id="13" name="Image 12">
+          <p:cNvPr id="10" name="Image 9">
             <a:extLst>
               <a:ext uri="{FF2B5EF4-FFF2-40B4-BE49-F238E27FC236}">
-                <a16:creationId xmlns:a16="http://schemas.microsoft.com/office/drawing/2014/main" id="{290A29C4-C90B-047E-7C26-16DAC6D1970A}"/>
+                <a16:creationId xmlns:a16="http://schemas.microsoft.com/office/drawing/2014/main" id="{8E29BDAC-C2F2-ADEB-A077-2FCA11D5D1B0}"/>
               </a:ext>
             </a:extLst>
           </p:cNvPr>
@@ -11291,8 +11291,8 @@
         </p:blipFill>
         <p:spPr>
           <a:xfrm>
-            <a:off x="6172722" y="1152475"/>
-            <a:ext cx="2971278" cy="3861425"/>
+            <a:off x="235545" y="1152475"/>
+            <a:ext cx="5538201" cy="3600028"/>
           </a:xfrm>
           <a:prstGeom prst="rect">
             <a:avLst/>
@@ -12193,10 +12193,10 @@
       </p:pic>
       <p:pic>
         <p:nvPicPr>
-          <p:cNvPr id="6" name="Image 5">
+          <p:cNvPr id="3" name="Image 2">
             <a:extLst>
               <a:ext uri="{FF2B5EF4-FFF2-40B4-BE49-F238E27FC236}">
-                <a16:creationId xmlns:a16="http://schemas.microsoft.com/office/drawing/2014/main" id="{E7D4D090-51D4-A2F7-BD00-2E79678C7494}"/>
+                <a16:creationId xmlns:a16="http://schemas.microsoft.com/office/drawing/2014/main" id="{96635AFE-571A-C33F-B67C-32D0BD6F91B1}"/>
               </a:ext>
             </a:extLst>
           </p:cNvPr>
@@ -12213,8 +12213,8 @@
         </p:blipFill>
         <p:spPr>
           <a:xfrm>
-            <a:off x="1086174" y="1017725"/>
-            <a:ext cx="6827168" cy="3898821"/>
+            <a:off x="923002" y="915289"/>
+            <a:ext cx="7344046" cy="4180083"/>
           </a:xfrm>
           <a:prstGeom prst="rect">
             <a:avLst/>
